--- a/docs/figures/mrnesbits-examples-graphic.pptx
+++ b/docs/figures/mrnesbits-examples-graphic.pptx
@@ -7,6 +7,7 @@
   <p:sldIdLst>
     <p:sldId id="256" r:id="rId2"/>
     <p:sldId id="257" r:id="rId3"/>
+    <p:sldId id="258" r:id="rId4"/>
   </p:sldIdLst>
   <p:sldSz cx="12192000" cy="6858000"/>
   <p:notesSz cx="6858000" cy="9144000"/>
@@ -3327,12 +3328,55 @@
           <a:chExt cx="0" cy="0"/>
         </a:xfrm>
       </p:grpSpPr>
+      <p:sp>
+        <p:nvSpPr>
+          <p:cNvPr id="5" name="TextBox 4">
+            <a:extLst>
+              <a:ext uri="{FF2B5EF4-FFF2-40B4-BE49-F238E27FC236}">
+                <a16:creationId xmlns:a16="http://schemas.microsoft.com/office/drawing/2014/main" id="{7826F5FE-50D8-25A2-07BE-A7507706DBFB}"/>
+              </a:ext>
+            </a:extLst>
+          </p:cNvPr>
+          <p:cNvSpPr txBox="1"/>
+          <p:nvPr/>
+        </p:nvSpPr>
+        <p:spPr>
+          <a:xfrm>
+            <a:off x="1498114" y="2012893"/>
+            <a:ext cx="1839093" cy="646331"/>
+          </a:xfrm>
+          <a:prstGeom prst="rect">
+            <a:avLst/>
+          </a:prstGeom>
+          <a:noFill/>
+        </p:spPr>
+        <p:txBody>
+          <a:bodyPr wrap="none" rtlCol="0">
+            <a:spAutoFit/>
+          </a:bodyPr>
+          <a:lstStyle/>
+          <a:p>
+            <a:pPr algn="ctr"/>
+            <a:r>
+              <a:rPr lang="en-US" dirty="0"/>
+              <a:t>RSAChain</a:t>
+            </a:r>
+          </a:p>
+          <a:p>
+            <a:pPr algn="ctr"/>
+            <a:r>
+              <a:rPr lang="en-US" b="1" dirty="0"/>
+              <a:t>simple-RSA-chain</a:t>
+            </a:r>
+          </a:p>
+        </p:txBody>
+      </p:sp>
       <p:grpSp>
         <p:nvGrpSpPr>
-          <p:cNvPr id="4" name="Group 3">
-            <a:extLst>
-              <a:ext uri="{FF2B5EF4-FFF2-40B4-BE49-F238E27FC236}">
-                <a16:creationId xmlns:a16="http://schemas.microsoft.com/office/drawing/2014/main" id="{07BA419E-DD92-6ED3-615E-E926AA7D18BD}"/>
+          <p:cNvPr id="6" name="Group 5">
+            <a:extLst>
+              <a:ext uri="{FF2B5EF4-FFF2-40B4-BE49-F238E27FC236}">
+                <a16:creationId xmlns:a16="http://schemas.microsoft.com/office/drawing/2014/main" id="{9C494C13-9AB5-CF11-167E-F4E34AAE3C56}"/>
               </a:ext>
             </a:extLst>
           </p:cNvPr>
@@ -3342,17 +3386,69 @@
         <p:grpSpPr>
           <a:xfrm>
             <a:off x="634619" y="494289"/>
-            <a:ext cx="3566085" cy="2164935"/>
+            <a:ext cx="3566085" cy="1423217"/>
             <a:chOff x="553069" y="494669"/>
-            <a:chExt cx="3566085" cy="2164935"/>
+            <a:chExt cx="3566085" cy="1423217"/>
           </a:xfrm>
         </p:grpSpPr>
         <p:sp>
           <p:nvSpPr>
-            <p:cNvPr id="5" name="TextBox 4">
+            <p:cNvPr id="7" name="Rounded Rectangle 6">
               <a:extLst>
                 <a:ext uri="{FF2B5EF4-FFF2-40B4-BE49-F238E27FC236}">
-                  <a16:creationId xmlns:a16="http://schemas.microsoft.com/office/drawing/2014/main" id="{7826F5FE-50D8-25A2-07BE-A7507706DBFB}"/>
+                  <a16:creationId xmlns:a16="http://schemas.microsoft.com/office/drawing/2014/main" id="{E012DF21-AD85-FD77-359E-2055B4D3EF16}"/>
+                </a:ext>
+              </a:extLst>
+            </p:cNvPr>
+            <p:cNvSpPr/>
+            <p:nvPr/>
+          </p:nvSpPr>
+          <p:spPr>
+            <a:xfrm>
+              <a:off x="553069" y="494669"/>
+              <a:ext cx="3566085" cy="1423217"/>
+            </a:xfrm>
+            <a:prstGeom prst="roundRect">
+              <a:avLst/>
+            </a:prstGeom>
+            <a:solidFill>
+              <a:schemeClr val="accent6">
+                <a:lumMod val="20000"/>
+                <a:lumOff val="80000"/>
+              </a:schemeClr>
+            </a:solidFill>
+          </p:spPr>
+          <p:style>
+            <a:lnRef idx="2">
+              <a:schemeClr val="accent1">
+                <a:shade val="15000"/>
+              </a:schemeClr>
+            </a:lnRef>
+            <a:fillRef idx="1">
+              <a:schemeClr val="accent1"/>
+            </a:fillRef>
+            <a:effectRef idx="0">
+              <a:schemeClr val="accent1"/>
+            </a:effectRef>
+            <a:fontRef idx="minor">
+              <a:schemeClr val="lt1"/>
+            </a:fontRef>
+          </p:style>
+          <p:txBody>
+            <a:bodyPr rtlCol="0" anchor="ctr"/>
+            <a:lstStyle/>
+            <a:p>
+              <a:pPr algn="ctr"/>
+              <a:endParaRPr lang="en-US"/>
+            </a:p>
+          </p:txBody>
+        </p:sp>
+        <p:sp>
+          <p:nvSpPr>
+            <p:cNvPr id="8" name="TextBox 7">
+              <a:extLst>
+                <a:ext uri="{FF2B5EF4-FFF2-40B4-BE49-F238E27FC236}">
+                  <a16:creationId xmlns:a16="http://schemas.microsoft.com/office/drawing/2014/main" id="{66AE6C9A-212F-5293-6EC7-8E2CB0840763}"/>
                 </a:ext>
               </a:extLst>
             </p:cNvPr>
@@ -3361,8 +3457,8 @@
           </p:nvSpPr>
           <p:spPr>
             <a:xfrm>
-              <a:off x="1416564" y="2013273"/>
-              <a:ext cx="1839093" cy="646331"/>
+              <a:off x="847823" y="650807"/>
+              <a:ext cx="738214" cy="461665"/>
             </a:xfrm>
             <a:prstGeom prst="rect">
               <a:avLst/>
@@ -3377,25 +3473,304 @@
             <a:p>
               <a:pPr algn="ctr"/>
               <a:r>
-                <a:rPr lang="en-US" dirty="0"/>
-                <a:t>RSAChain</a:t>
+                <a:rPr lang="en-US" sz="1200" dirty="0"/>
+                <a:t>generate</a:t>
               </a:r>
             </a:p>
             <a:p>
               <a:pPr algn="ctr"/>
               <a:r>
-                <a:rPr lang="en-US" b="1" dirty="0"/>
-                <a:t>simple-RSA-chain</a:t>
+                <a:rPr lang="en-US" sz="1200" b="1" dirty="0"/>
+                <a:t>source</a:t>
               </a:r>
             </a:p>
           </p:txBody>
         </p:sp>
+        <p:sp>
+          <p:nvSpPr>
+            <p:cNvPr id="9" name="TextBox 8">
+              <a:extLst>
+                <a:ext uri="{FF2B5EF4-FFF2-40B4-BE49-F238E27FC236}">
+                  <a16:creationId xmlns:a16="http://schemas.microsoft.com/office/drawing/2014/main" id="{50F5A91B-715B-3EEA-90EC-792D20A7896A}"/>
+                </a:ext>
+              </a:extLst>
+            </p:cNvPr>
+            <p:cNvSpPr txBox="1"/>
+            <p:nvPr/>
+          </p:nvSpPr>
+          <p:spPr>
+            <a:xfrm>
+              <a:off x="1510208" y="660618"/>
+              <a:ext cx="946606" cy="461665"/>
+            </a:xfrm>
+            <a:prstGeom prst="rect">
+              <a:avLst/>
+            </a:prstGeom>
+            <a:noFill/>
+          </p:spPr>
+          <p:txBody>
+            <a:bodyPr wrap="none" rtlCol="0">
+              <a:spAutoFit/>
+            </a:bodyPr>
+            <a:lstStyle/>
+            <a:p>
+              <a:pPr algn="ctr"/>
+              <a:r>
+                <a:rPr lang="en-US" sz="1200" dirty="0"/>
+                <a:t>RSA-encrypt</a:t>
+              </a:r>
+            </a:p>
+            <a:p>
+              <a:pPr algn="ctr"/>
+              <a:r>
+                <a:rPr lang="en-US" sz="1200" b="1" dirty="0"/>
+                <a:t>encrypt</a:t>
+              </a:r>
+            </a:p>
+          </p:txBody>
+        </p:sp>
+        <p:sp>
+          <p:nvSpPr>
+            <p:cNvPr id="10" name="TextBox 9">
+              <a:extLst>
+                <a:ext uri="{FF2B5EF4-FFF2-40B4-BE49-F238E27FC236}">
+                  <a16:creationId xmlns:a16="http://schemas.microsoft.com/office/drawing/2014/main" id="{C65579BC-A735-B924-3113-D6A758680008}"/>
+                </a:ext>
+              </a:extLst>
+            </p:cNvPr>
+            <p:cNvSpPr txBox="1"/>
+            <p:nvPr/>
+          </p:nvSpPr>
+          <p:spPr>
+            <a:xfrm>
+              <a:off x="2379821" y="660617"/>
+              <a:ext cx="946606" cy="461665"/>
+            </a:xfrm>
+            <a:prstGeom prst="rect">
+              <a:avLst/>
+            </a:prstGeom>
+            <a:noFill/>
+          </p:spPr>
+          <p:txBody>
+            <a:bodyPr wrap="none" rtlCol="0">
+              <a:spAutoFit/>
+            </a:bodyPr>
+            <a:lstStyle/>
+            <a:p>
+              <a:pPr algn="ctr"/>
+              <a:r>
+                <a:rPr lang="en-US" sz="1200" dirty="0"/>
+                <a:t>RSA-decrypt</a:t>
+              </a:r>
+            </a:p>
+            <a:p>
+              <a:pPr algn="ctr"/>
+              <a:r>
+                <a:rPr lang="en-US" sz="1200" b="1" dirty="0"/>
+                <a:t>decrypt</a:t>
+              </a:r>
+            </a:p>
+          </p:txBody>
+        </p:sp>
+        <p:sp>
+          <p:nvSpPr>
+            <p:cNvPr id="11" name="TextBox 10">
+              <a:extLst>
+                <a:ext uri="{FF2B5EF4-FFF2-40B4-BE49-F238E27FC236}">
+                  <a16:creationId xmlns:a16="http://schemas.microsoft.com/office/drawing/2014/main" id="{3E67A117-5563-80C0-19B8-BDF61A9A9BD1}"/>
+                </a:ext>
+              </a:extLst>
+            </p:cNvPr>
+            <p:cNvSpPr txBox="1"/>
+            <p:nvPr/>
+          </p:nvSpPr>
+          <p:spPr>
+            <a:xfrm>
+              <a:off x="3211544" y="660617"/>
+              <a:ext cx="815480" cy="461665"/>
+            </a:xfrm>
+            <a:prstGeom prst="rect">
+              <a:avLst/>
+            </a:prstGeom>
+            <a:noFill/>
+          </p:spPr>
+          <p:txBody>
+            <a:bodyPr wrap="none" rtlCol="0">
+              <a:spAutoFit/>
+            </a:bodyPr>
+            <a:lstStyle/>
+            <a:p>
+              <a:pPr algn="ctr"/>
+              <a:r>
+                <a:rPr lang="en-US" sz="1200" dirty="0"/>
+                <a:t>consume</a:t>
+              </a:r>
+            </a:p>
+            <a:p>
+              <a:pPr algn="ctr"/>
+              <a:r>
+                <a:rPr lang="en-US" sz="1200" b="1" dirty="0"/>
+                <a:t>consumer</a:t>
+              </a:r>
+            </a:p>
+          </p:txBody>
+        </p:sp>
+        <p:sp>
+          <p:nvSpPr>
+            <p:cNvPr id="12" name="TextBox 11">
+              <a:extLst>
+                <a:ext uri="{FF2B5EF4-FFF2-40B4-BE49-F238E27FC236}">
+                  <a16:creationId xmlns:a16="http://schemas.microsoft.com/office/drawing/2014/main" id="{CD38FAED-E28D-FECC-3B15-15958A7229A8}"/>
+                </a:ext>
+              </a:extLst>
+            </p:cNvPr>
+            <p:cNvSpPr txBox="1"/>
+            <p:nvPr/>
+          </p:nvSpPr>
+          <p:spPr>
+            <a:xfrm rot="2585422">
+              <a:off x="1409405" y="1370421"/>
+              <a:ext cx="417102" cy="246221"/>
+            </a:xfrm>
+            <a:prstGeom prst="rect">
+              <a:avLst/>
+            </a:prstGeom>
+            <a:noFill/>
+          </p:spPr>
+          <p:txBody>
+            <a:bodyPr wrap="none" rtlCol="0">
+              <a:spAutoFit/>
+            </a:bodyPr>
+            <a:lstStyle/>
+            <a:p>
+              <a:r>
+                <a:rPr lang="en-US" sz="1000" dirty="0"/>
+                <a:t>data</a:t>
+              </a:r>
+            </a:p>
+          </p:txBody>
+        </p:sp>
+        <p:sp>
+          <p:nvSpPr>
+            <p:cNvPr id="13" name="TextBox 12">
+              <a:extLst>
+                <a:ext uri="{FF2B5EF4-FFF2-40B4-BE49-F238E27FC236}">
+                  <a16:creationId xmlns:a16="http://schemas.microsoft.com/office/drawing/2014/main" id="{2CDEED14-BBBD-0AC5-11FC-CA2325868EF7}"/>
+                </a:ext>
+              </a:extLst>
+            </p:cNvPr>
+            <p:cNvSpPr txBox="1"/>
+            <p:nvPr/>
+          </p:nvSpPr>
+          <p:spPr>
+            <a:xfrm rot="2239421">
+              <a:off x="2166252" y="1426743"/>
+              <a:ext cx="715260" cy="246221"/>
+            </a:xfrm>
+            <a:prstGeom prst="rect">
+              <a:avLst/>
+            </a:prstGeom>
+            <a:noFill/>
+          </p:spPr>
+          <p:txBody>
+            <a:bodyPr wrap="none" rtlCol="0">
+              <a:spAutoFit/>
+            </a:bodyPr>
+            <a:lstStyle/>
+            <a:p>
+              <a:r>
+                <a:rPr lang="en-US" sz="1000" dirty="0"/>
+                <a:t>encrypted</a:t>
+              </a:r>
+            </a:p>
+          </p:txBody>
+        </p:sp>
+        <p:sp>
+          <p:nvSpPr>
+            <p:cNvPr id="14" name="TextBox 13">
+              <a:extLst>
+                <a:ext uri="{FF2B5EF4-FFF2-40B4-BE49-F238E27FC236}">
+                  <a16:creationId xmlns:a16="http://schemas.microsoft.com/office/drawing/2014/main" id="{CA44314A-908D-C335-1F3C-5DC08EF5F6F6}"/>
+                </a:ext>
+              </a:extLst>
+            </p:cNvPr>
+            <p:cNvSpPr txBox="1"/>
+            <p:nvPr/>
+          </p:nvSpPr>
+          <p:spPr>
+            <a:xfrm rot="2335952">
+              <a:off x="2999694" y="1474273"/>
+              <a:ext cx="715260" cy="246221"/>
+            </a:xfrm>
+            <a:prstGeom prst="rect">
+              <a:avLst/>
+            </a:prstGeom>
+            <a:noFill/>
+          </p:spPr>
+          <p:txBody>
+            <a:bodyPr wrap="none" rtlCol="0">
+              <a:spAutoFit/>
+            </a:bodyPr>
+            <a:lstStyle/>
+            <a:p>
+              <a:r>
+                <a:rPr lang="en-US" sz="1000" dirty="0"/>
+                <a:t>decrypted</a:t>
+              </a:r>
+            </a:p>
+          </p:txBody>
+        </p:sp>
+        <p:cxnSp>
+          <p:nvCxnSpPr>
+            <p:cNvPr id="15" name="Straight Arrow Connector 14">
+              <a:extLst>
+                <a:ext uri="{FF2B5EF4-FFF2-40B4-BE49-F238E27FC236}">
+                  <a16:creationId xmlns:a16="http://schemas.microsoft.com/office/drawing/2014/main" id="{BB85C3BC-4ED1-7351-4343-8FB8E35173E5}"/>
+                </a:ext>
+              </a:extLst>
+            </p:cNvPr>
+            <p:cNvCxnSpPr>
+              <a:cxnSpLocks/>
+              <a:endCxn id="27" idx="2"/>
+            </p:cNvCxnSpPr>
+            <p:nvPr/>
+          </p:nvCxnSpPr>
+          <p:spPr>
+            <a:xfrm>
+              <a:off x="1403536" y="1319926"/>
+              <a:ext cx="345448" cy="2782"/>
+            </a:xfrm>
+            <a:prstGeom prst="straightConnector1">
+              <a:avLst/>
+            </a:prstGeom>
+            <a:ln w="15875">
+              <a:solidFill>
+                <a:schemeClr val="tx1"/>
+              </a:solidFill>
+              <a:tailEnd type="triangle"/>
+            </a:ln>
+          </p:spPr>
+          <p:style>
+            <a:lnRef idx="1">
+              <a:schemeClr val="accent1"/>
+            </a:lnRef>
+            <a:fillRef idx="0">
+              <a:schemeClr val="accent1"/>
+            </a:fillRef>
+            <a:effectRef idx="0">
+              <a:schemeClr val="accent1"/>
+            </a:effectRef>
+            <a:fontRef idx="minor">
+              <a:schemeClr val="tx1"/>
+            </a:fontRef>
+          </p:style>
+        </p:cxnSp>
         <p:grpSp>
           <p:nvGrpSpPr>
-            <p:cNvPr id="6" name="Group 5">
+            <p:cNvPr id="16" name="Group 15">
               <a:extLst>
                 <a:ext uri="{FF2B5EF4-FFF2-40B4-BE49-F238E27FC236}">
-                  <a16:creationId xmlns:a16="http://schemas.microsoft.com/office/drawing/2014/main" id="{9C494C13-9AB5-CF11-167E-F4E34AAE3C56}"/>
+                  <a16:creationId xmlns:a16="http://schemas.microsoft.com/office/drawing/2014/main" id="{5F384211-CA76-9F3B-1609-BB9310CB860D}"/>
                 </a:ext>
               </a:extLst>
             </p:cNvPr>
@@ -3404,18 +3779,18 @@
           </p:nvGrpSpPr>
           <p:grpSpPr>
             <a:xfrm>
-              <a:off x="553069" y="494669"/>
-              <a:ext cx="3566085" cy="1423217"/>
-              <a:chOff x="553069" y="494669"/>
-              <a:chExt cx="3566085" cy="1423217"/>
+              <a:off x="626801" y="1077361"/>
+              <a:ext cx="550151" cy="676426"/>
+              <a:chOff x="1413143" y="648944"/>
+              <a:chExt cx="550151" cy="676426"/>
             </a:xfrm>
           </p:grpSpPr>
           <p:sp>
             <p:nvSpPr>
-              <p:cNvPr id="7" name="Rounded Rectangle 6">
+              <p:cNvPr id="31" name="Oval 30">
                 <a:extLst>
                   <a:ext uri="{FF2B5EF4-FFF2-40B4-BE49-F238E27FC236}">
-                    <a16:creationId xmlns:a16="http://schemas.microsoft.com/office/drawing/2014/main" id="{E012DF21-AD85-FD77-359E-2055B4D3EF16}"/>
+                    <a16:creationId xmlns:a16="http://schemas.microsoft.com/office/drawing/2014/main" id="{DBD10D26-15AC-8335-B2B8-EB4F08A5F538}"/>
                   </a:ext>
                 </a:extLst>
               </p:cNvPr>
@@ -3424,16 +3799,226 @@
             </p:nvSpPr>
             <p:spPr>
               <a:xfrm>
-                <a:off x="553069" y="494669"/>
-                <a:ext cx="3566085" cy="1423217"/>
+                <a:off x="1441090" y="684074"/>
+                <a:ext cx="477739" cy="420471"/>
               </a:xfrm>
-              <a:prstGeom prst="roundRect">
+              <a:prstGeom prst="ellipse">
+                <a:avLst/>
+              </a:prstGeom>
+              <a:noFill/>
+            </p:spPr>
+            <p:style>
+              <a:lnRef idx="2">
+                <a:schemeClr val="accent1">
+                  <a:shade val="15000"/>
+                </a:schemeClr>
+              </a:lnRef>
+              <a:fillRef idx="1">
+                <a:schemeClr val="accent1"/>
+              </a:fillRef>
+              <a:effectRef idx="0">
+                <a:schemeClr val="accent1"/>
+              </a:effectRef>
+              <a:fontRef idx="minor">
+                <a:schemeClr val="lt1"/>
+              </a:fontRef>
+            </p:style>
+            <p:txBody>
+              <a:bodyPr rtlCol="0" anchor="ctr"/>
+              <a:lstStyle/>
+              <a:p>
+                <a:pPr algn="ctr"/>
+                <a:endParaRPr lang="en-US"/>
+              </a:p>
+            </p:txBody>
+          </p:sp>
+          <p:sp>
+            <p:nvSpPr>
+              <p:cNvPr id="32" name="TextBox 31">
+                <a:extLst>
+                  <a:ext uri="{FF2B5EF4-FFF2-40B4-BE49-F238E27FC236}">
+                    <a16:creationId xmlns:a16="http://schemas.microsoft.com/office/drawing/2014/main" id="{293D9C4B-C548-E05B-91AF-949E75C6CFEB}"/>
+                  </a:ext>
+                </a:extLst>
+              </p:cNvPr>
+              <p:cNvSpPr txBox="1"/>
+              <p:nvPr/>
+            </p:nvSpPr>
+            <p:spPr>
+              <a:xfrm>
+                <a:off x="1413143" y="1079149"/>
+                <a:ext cx="550151" cy="246221"/>
+              </a:xfrm>
+              <a:prstGeom prst="rect">
+                <a:avLst/>
+              </a:prstGeom>
+              <a:noFill/>
+            </p:spPr>
+            <p:txBody>
+              <a:bodyPr wrap="none" rtlCol="0">
+                <a:spAutoFit/>
+              </a:bodyPr>
+              <a:lstStyle/>
+              <a:p>
+                <a:r>
+                  <a:rPr lang="en-US" sz="1000" dirty="0"/>
+                  <a:t>initiate</a:t>
+                </a:r>
+              </a:p>
+            </p:txBody>
+          </p:sp>
+          <p:grpSp>
+            <p:nvGrpSpPr>
+              <p:cNvPr id="33" name="Group 32">
+                <a:extLst>
+                  <a:ext uri="{FF2B5EF4-FFF2-40B4-BE49-F238E27FC236}">
+                    <a16:creationId xmlns:a16="http://schemas.microsoft.com/office/drawing/2014/main" id="{ABF090A3-A472-9666-3C59-E4FCA0473B0D}"/>
+                  </a:ext>
+                </a:extLst>
+              </p:cNvPr>
+              <p:cNvGrpSpPr/>
+              <p:nvPr/>
+            </p:nvGrpSpPr>
+            <p:grpSpPr>
+              <a:xfrm>
+                <a:off x="1769806" y="648944"/>
+                <a:ext cx="80831" cy="101880"/>
+                <a:chOff x="1681654" y="1284177"/>
+                <a:chExt cx="80831" cy="101880"/>
+              </a:xfrm>
+            </p:grpSpPr>
+            <p:cxnSp>
+              <p:nvCxnSpPr>
+                <p:cNvPr id="34" name="Straight Connector 33">
+                  <a:extLst>
+                    <a:ext uri="{FF2B5EF4-FFF2-40B4-BE49-F238E27FC236}">
+                      <a16:creationId xmlns:a16="http://schemas.microsoft.com/office/drawing/2014/main" id="{849EC88C-C7A4-F983-D5DA-8AC0D9CC3EFE}"/>
+                    </a:ext>
+                  </a:extLst>
+                </p:cNvPr>
+                <p:cNvCxnSpPr>
+                  <a:cxnSpLocks/>
+                </p:cNvCxnSpPr>
+                <p:nvPr/>
+              </p:nvCxnSpPr>
+              <p:spPr>
+                <a:xfrm>
+                  <a:off x="1727116" y="1284177"/>
+                  <a:ext cx="35369" cy="86201"/>
+                </a:xfrm>
+                <a:prstGeom prst="line">
+                  <a:avLst/>
+                </a:prstGeom>
+                <a:ln w="15875">
+                  <a:solidFill>
+                    <a:schemeClr val="tx1"/>
+                  </a:solidFill>
+                </a:ln>
+              </p:spPr>
+              <p:style>
+                <a:lnRef idx="1">
+                  <a:schemeClr val="accent1"/>
+                </a:lnRef>
+                <a:fillRef idx="0">
+                  <a:schemeClr val="accent1"/>
+                </a:fillRef>
+                <a:effectRef idx="0">
+                  <a:schemeClr val="accent1"/>
+                </a:effectRef>
+                <a:fontRef idx="minor">
+                  <a:schemeClr val="tx1"/>
+                </a:fontRef>
+              </p:style>
+            </p:cxnSp>
+            <p:cxnSp>
+              <p:nvCxnSpPr>
+                <p:cNvPr id="35" name="Straight Connector 34">
+                  <a:extLst>
+                    <a:ext uri="{FF2B5EF4-FFF2-40B4-BE49-F238E27FC236}">
+                      <a16:creationId xmlns:a16="http://schemas.microsoft.com/office/drawing/2014/main" id="{8D859434-1D5D-8F5B-F710-4EEB80A4CEEF}"/>
+                    </a:ext>
+                  </a:extLst>
+                </p:cNvPr>
+                <p:cNvCxnSpPr>
+                  <a:cxnSpLocks/>
+                </p:cNvCxnSpPr>
+                <p:nvPr/>
+              </p:nvCxnSpPr>
+              <p:spPr>
+                <a:xfrm>
+                  <a:off x="1681654" y="1386057"/>
+                  <a:ext cx="71567" cy="0"/>
+                </a:xfrm>
+                <a:prstGeom prst="line">
+                  <a:avLst/>
+                </a:prstGeom>
+                <a:ln w="15875">
+                  <a:solidFill>
+                    <a:schemeClr val="tx1"/>
+                  </a:solidFill>
+                </a:ln>
+              </p:spPr>
+              <p:style>
+                <a:lnRef idx="1">
+                  <a:schemeClr val="accent1"/>
+                </a:lnRef>
+                <a:fillRef idx="0">
+                  <a:schemeClr val="accent1"/>
+                </a:fillRef>
+                <a:effectRef idx="0">
+                  <a:schemeClr val="accent1"/>
+                </a:effectRef>
+                <a:fontRef idx="minor">
+                  <a:schemeClr val="tx1"/>
+                </a:fontRef>
+              </p:style>
+            </p:cxnSp>
+          </p:grpSp>
+        </p:grpSp>
+        <p:grpSp>
+          <p:nvGrpSpPr>
+            <p:cNvPr id="17" name="Group 16">
+              <a:extLst>
+                <a:ext uri="{FF2B5EF4-FFF2-40B4-BE49-F238E27FC236}">
+                  <a16:creationId xmlns:a16="http://schemas.microsoft.com/office/drawing/2014/main" id="{0CEA0CAE-5B10-EE90-04B9-F7E87B17242F}"/>
+                </a:ext>
+              </a:extLst>
+            </p:cNvPr>
+            <p:cNvGrpSpPr/>
+            <p:nvPr/>
+          </p:nvGrpSpPr>
+          <p:grpSpPr>
+            <a:xfrm>
+              <a:off x="1003006" y="1120461"/>
+              <a:ext cx="420471" cy="420471"/>
+              <a:chOff x="1816835" y="653352"/>
+              <a:chExt cx="420471" cy="420471"/>
+            </a:xfrm>
+          </p:grpSpPr>
+          <p:sp>
+            <p:nvSpPr>
+              <p:cNvPr id="29" name="Oval 28">
+                <a:extLst>
+                  <a:ext uri="{FF2B5EF4-FFF2-40B4-BE49-F238E27FC236}">
+                    <a16:creationId xmlns:a16="http://schemas.microsoft.com/office/drawing/2014/main" id="{640B304F-E51A-92CE-FEB4-88D948DE21E0}"/>
+                  </a:ext>
+                </a:extLst>
+              </p:cNvPr>
+              <p:cNvSpPr/>
+              <p:nvPr/>
+            </p:nvSpPr>
+            <p:spPr>
+              <a:xfrm>
+                <a:off x="1816835" y="653352"/>
+                <a:ext cx="420471" cy="420471"/>
+              </a:xfrm>
+              <a:prstGeom prst="ellipse">
                 <a:avLst/>
               </a:prstGeom>
               <a:solidFill>
-                <a:schemeClr val="accent6">
-                  <a:lumMod val="20000"/>
-                  <a:lumOff val="80000"/>
+                <a:schemeClr val="accent5">
+                  <a:lumMod val="40000"/>
+                  <a:lumOff val="60000"/>
                 </a:schemeClr>
               </a:solidFill>
             </p:spPr>
@@ -3464,10 +4049,10 @@
           </p:sp>
           <p:sp>
             <p:nvSpPr>
-              <p:cNvPr id="8" name="TextBox 7">
+              <p:cNvPr id="30" name="TextBox 29">
                 <a:extLst>
                   <a:ext uri="{FF2B5EF4-FFF2-40B4-BE49-F238E27FC236}">
-                    <a16:creationId xmlns:a16="http://schemas.microsoft.com/office/drawing/2014/main" id="{66AE6C9A-212F-5293-6EC7-8E2CB0840763}"/>
+                    <a16:creationId xmlns:a16="http://schemas.microsoft.com/office/drawing/2014/main" id="{89E08188-126E-ABA6-FA87-67FB83E9B3F1}"/>
                   </a:ext>
                 </a:extLst>
               </p:cNvPr>
@@ -3476,180 +4061,8 @@
             </p:nvSpPr>
             <p:spPr>
               <a:xfrm>
-                <a:off x="847823" y="650807"/>
-                <a:ext cx="738214" cy="461665"/>
-              </a:xfrm>
-              <a:prstGeom prst="rect">
-                <a:avLst/>
-              </a:prstGeom>
-              <a:noFill/>
-            </p:spPr>
-            <p:txBody>
-              <a:bodyPr wrap="none" rtlCol="0">
-                <a:spAutoFit/>
-              </a:bodyPr>
-              <a:lstStyle/>
-              <a:p>
-                <a:pPr algn="ctr"/>
-                <a:r>
-                  <a:rPr lang="en-US" sz="1200" dirty="0"/>
-                  <a:t>generate</a:t>
-                </a:r>
-              </a:p>
-              <a:p>
-                <a:pPr algn="ctr"/>
-                <a:r>
-                  <a:rPr lang="en-US" sz="1200" b="1" dirty="0"/>
-                  <a:t>source</a:t>
-                </a:r>
-              </a:p>
-            </p:txBody>
-          </p:sp>
-          <p:sp>
-            <p:nvSpPr>
-              <p:cNvPr id="9" name="TextBox 8">
-                <a:extLst>
-                  <a:ext uri="{FF2B5EF4-FFF2-40B4-BE49-F238E27FC236}">
-                    <a16:creationId xmlns:a16="http://schemas.microsoft.com/office/drawing/2014/main" id="{50F5A91B-715B-3EEA-90EC-792D20A7896A}"/>
-                  </a:ext>
-                </a:extLst>
-              </p:cNvPr>
-              <p:cNvSpPr txBox="1"/>
-              <p:nvPr/>
-            </p:nvSpPr>
-            <p:spPr>
-              <a:xfrm>
-                <a:off x="1510208" y="660618"/>
-                <a:ext cx="946606" cy="461665"/>
-              </a:xfrm>
-              <a:prstGeom prst="rect">
-                <a:avLst/>
-              </a:prstGeom>
-              <a:noFill/>
-            </p:spPr>
-            <p:txBody>
-              <a:bodyPr wrap="none" rtlCol="0">
-                <a:spAutoFit/>
-              </a:bodyPr>
-              <a:lstStyle/>
-              <a:p>
-                <a:pPr algn="ctr"/>
-                <a:r>
-                  <a:rPr lang="en-US" sz="1200" dirty="0"/>
-                  <a:t>RSA-encrypt</a:t>
-                </a:r>
-              </a:p>
-              <a:p>
-                <a:pPr algn="ctr"/>
-                <a:r>
-                  <a:rPr lang="en-US" sz="1200" b="1" dirty="0"/>
-                  <a:t>encrypt</a:t>
-                </a:r>
-              </a:p>
-            </p:txBody>
-          </p:sp>
-          <p:sp>
-            <p:nvSpPr>
-              <p:cNvPr id="10" name="TextBox 9">
-                <a:extLst>
-                  <a:ext uri="{FF2B5EF4-FFF2-40B4-BE49-F238E27FC236}">
-                    <a16:creationId xmlns:a16="http://schemas.microsoft.com/office/drawing/2014/main" id="{C65579BC-A735-B924-3113-D6A758680008}"/>
-                  </a:ext>
-                </a:extLst>
-              </p:cNvPr>
-              <p:cNvSpPr txBox="1"/>
-              <p:nvPr/>
-            </p:nvSpPr>
-            <p:spPr>
-              <a:xfrm>
-                <a:off x="2379821" y="660617"/>
-                <a:ext cx="946606" cy="461665"/>
-              </a:xfrm>
-              <a:prstGeom prst="rect">
-                <a:avLst/>
-              </a:prstGeom>
-              <a:noFill/>
-            </p:spPr>
-            <p:txBody>
-              <a:bodyPr wrap="none" rtlCol="0">
-                <a:spAutoFit/>
-              </a:bodyPr>
-              <a:lstStyle/>
-              <a:p>
-                <a:pPr algn="ctr"/>
-                <a:r>
-                  <a:rPr lang="en-US" sz="1200" dirty="0"/>
-                  <a:t>RSA-decrypt</a:t>
-                </a:r>
-              </a:p>
-              <a:p>
-                <a:pPr algn="ctr"/>
-                <a:r>
-                  <a:rPr lang="en-US" sz="1200" b="1" dirty="0"/>
-                  <a:t>decrypt</a:t>
-                </a:r>
-              </a:p>
-            </p:txBody>
-          </p:sp>
-          <p:sp>
-            <p:nvSpPr>
-              <p:cNvPr id="11" name="TextBox 10">
-                <a:extLst>
-                  <a:ext uri="{FF2B5EF4-FFF2-40B4-BE49-F238E27FC236}">
-                    <a16:creationId xmlns:a16="http://schemas.microsoft.com/office/drawing/2014/main" id="{3E67A117-5563-80C0-19B8-BDF61A9A9BD1}"/>
-                  </a:ext>
-                </a:extLst>
-              </p:cNvPr>
-              <p:cNvSpPr txBox="1"/>
-              <p:nvPr/>
-            </p:nvSpPr>
-            <p:spPr>
-              <a:xfrm>
-                <a:off x="3211544" y="660617"/>
-                <a:ext cx="815480" cy="461665"/>
-              </a:xfrm>
-              <a:prstGeom prst="rect">
-                <a:avLst/>
-              </a:prstGeom>
-              <a:noFill/>
-            </p:spPr>
-            <p:txBody>
-              <a:bodyPr wrap="none" rtlCol="0">
-                <a:spAutoFit/>
-              </a:bodyPr>
-              <a:lstStyle/>
-              <a:p>
-                <a:pPr algn="ctr"/>
-                <a:r>
-                  <a:rPr lang="en-US" sz="1200" dirty="0"/>
-                  <a:t>consume</a:t>
-                </a:r>
-              </a:p>
-              <a:p>
-                <a:pPr algn="ctr"/>
-                <a:r>
-                  <a:rPr lang="en-US" sz="1200" b="1" dirty="0"/>
-                  <a:t>consumer</a:t>
-                </a:r>
-              </a:p>
-            </p:txBody>
-          </p:sp>
-          <p:sp>
-            <p:nvSpPr>
-              <p:cNvPr id="12" name="TextBox 11">
-                <a:extLst>
-                  <a:ext uri="{FF2B5EF4-FFF2-40B4-BE49-F238E27FC236}">
-                    <a16:creationId xmlns:a16="http://schemas.microsoft.com/office/drawing/2014/main" id="{CD38FAED-E28D-FECC-3B15-15958A7229A8}"/>
-                  </a:ext>
-                </a:extLst>
-              </p:cNvPr>
-              <p:cNvSpPr txBox="1"/>
-              <p:nvPr/>
-            </p:nvSpPr>
-            <p:spPr>
-              <a:xfrm rot="2585422">
-                <a:off x="1409405" y="1370421"/>
-                <a:ext cx="417102" cy="246221"/>
+                <a:off x="1885303" y="673230"/>
+                <a:ext cx="301686" cy="369332"/>
               </a:xfrm>
               <a:prstGeom prst="rect">
                 <a:avLst/>
@@ -3663,18 +4076,91 @@
               <a:lstStyle/>
               <a:p>
                 <a:r>
-                  <a:rPr lang="en-US" sz="1000" dirty="0"/>
-                  <a:t>data</a:t>
+                  <a:rPr lang="en-US" b="1" dirty="0"/>
+                  <a:t>1</a:t>
                 </a:r>
+              </a:p>
+            </p:txBody>
+          </p:sp>
+        </p:grpSp>
+        <p:grpSp>
+          <p:nvGrpSpPr>
+            <p:cNvPr id="18" name="Group 17">
+              <a:extLst>
+                <a:ext uri="{FF2B5EF4-FFF2-40B4-BE49-F238E27FC236}">
+                  <a16:creationId xmlns:a16="http://schemas.microsoft.com/office/drawing/2014/main" id="{B523498F-C10A-9240-8012-0AF16F5BD889}"/>
+                </a:ext>
+              </a:extLst>
+            </p:cNvPr>
+            <p:cNvGrpSpPr/>
+            <p:nvPr/>
+          </p:nvGrpSpPr>
+          <p:grpSpPr>
+            <a:xfrm>
+              <a:off x="1748984" y="1112472"/>
+              <a:ext cx="420471" cy="420471"/>
+              <a:chOff x="2524773" y="622989"/>
+              <a:chExt cx="420471" cy="420471"/>
+            </a:xfrm>
+          </p:grpSpPr>
+          <p:sp>
+            <p:nvSpPr>
+              <p:cNvPr id="27" name="Oval 26">
+                <a:extLst>
+                  <a:ext uri="{FF2B5EF4-FFF2-40B4-BE49-F238E27FC236}">
+                    <a16:creationId xmlns:a16="http://schemas.microsoft.com/office/drawing/2014/main" id="{ABAC6D98-2438-4A7E-85E1-1D52F68525B9}"/>
+                  </a:ext>
+                </a:extLst>
+              </p:cNvPr>
+              <p:cNvSpPr/>
+              <p:nvPr/>
+            </p:nvSpPr>
+            <p:spPr>
+              <a:xfrm>
+                <a:off x="2524773" y="622989"/>
+                <a:ext cx="420471" cy="420471"/>
+              </a:xfrm>
+              <a:prstGeom prst="ellipse">
+                <a:avLst/>
+              </a:prstGeom>
+              <a:solidFill>
+                <a:schemeClr val="accent5">
+                  <a:lumMod val="40000"/>
+                  <a:lumOff val="60000"/>
+                </a:schemeClr>
+              </a:solidFill>
+            </p:spPr>
+            <p:style>
+              <a:lnRef idx="2">
+                <a:schemeClr val="accent1">
+                  <a:shade val="15000"/>
+                </a:schemeClr>
+              </a:lnRef>
+              <a:fillRef idx="1">
+                <a:schemeClr val="accent1"/>
+              </a:fillRef>
+              <a:effectRef idx="0">
+                <a:schemeClr val="accent1"/>
+              </a:effectRef>
+              <a:fontRef idx="minor">
+                <a:schemeClr val="lt1"/>
+              </a:fontRef>
+            </p:style>
+            <p:txBody>
+              <a:bodyPr rtlCol="0" anchor="ctr"/>
+              <a:lstStyle/>
+              <a:p>
+                <a:pPr algn="ctr"/>
+                <a:endParaRPr lang="en-US"/>
               </a:p>
             </p:txBody>
           </p:sp>
           <p:sp>
             <p:nvSpPr>
-              <p:cNvPr id="13" name="TextBox 12">
+              <p:cNvPr id="28" name="TextBox 27">
                 <a:extLst>
                   <a:ext uri="{FF2B5EF4-FFF2-40B4-BE49-F238E27FC236}">
-                    <a16:creationId xmlns:a16="http://schemas.microsoft.com/office/drawing/2014/main" id="{2CDEED14-BBBD-0AC5-11FC-CA2325868EF7}"/>
+                    <a16:creationId xmlns:a16="http://schemas.microsoft.com/office/drawing/2014/main" id="{6691248C-DDAD-A480-31FE-50C6E39972AE}"/>
                   </a:ext>
                 </a:extLst>
               </p:cNvPr>
@@ -3682,9 +4168,9 @@
               <p:nvPr/>
             </p:nvSpPr>
             <p:spPr>
-              <a:xfrm rot="2239421">
-                <a:off x="2166252" y="1426743"/>
-                <a:ext cx="715260" cy="246221"/>
+              <a:xfrm>
+                <a:off x="2593808" y="646066"/>
+                <a:ext cx="301686" cy="369332"/>
               </a:xfrm>
               <a:prstGeom prst="rect">
                 <a:avLst/>
@@ -3698,18 +4184,91 @@
               <a:lstStyle/>
               <a:p>
                 <a:r>
-                  <a:rPr lang="en-US" sz="1000" dirty="0"/>
-                  <a:t>encrypted</a:t>
+                  <a:rPr lang="en-US" b="1" dirty="0"/>
+                  <a:t>2</a:t>
                 </a:r>
+              </a:p>
+            </p:txBody>
+          </p:sp>
+        </p:grpSp>
+        <p:grpSp>
+          <p:nvGrpSpPr>
+            <p:cNvPr id="19" name="Group 18">
+              <a:extLst>
+                <a:ext uri="{FF2B5EF4-FFF2-40B4-BE49-F238E27FC236}">
+                  <a16:creationId xmlns:a16="http://schemas.microsoft.com/office/drawing/2014/main" id="{430B3E03-70EE-0B64-3C50-A27A59F22968}"/>
+                </a:ext>
+              </a:extLst>
+            </p:cNvPr>
+            <p:cNvGrpSpPr/>
+            <p:nvPr/>
+          </p:nvGrpSpPr>
+          <p:grpSpPr>
+            <a:xfrm>
+              <a:off x="2628783" y="1109133"/>
+              <a:ext cx="420471" cy="420471"/>
+              <a:chOff x="3262383" y="625642"/>
+              <a:chExt cx="420471" cy="420471"/>
+            </a:xfrm>
+          </p:grpSpPr>
+          <p:sp>
+            <p:nvSpPr>
+              <p:cNvPr id="25" name="Oval 24">
+                <a:extLst>
+                  <a:ext uri="{FF2B5EF4-FFF2-40B4-BE49-F238E27FC236}">
+                    <a16:creationId xmlns:a16="http://schemas.microsoft.com/office/drawing/2014/main" id="{ED107F93-8830-9E5A-3762-37831D3ADD2B}"/>
+                  </a:ext>
+                </a:extLst>
+              </p:cNvPr>
+              <p:cNvSpPr/>
+              <p:nvPr/>
+            </p:nvSpPr>
+            <p:spPr>
+              <a:xfrm>
+                <a:off x="3262383" y="625642"/>
+                <a:ext cx="420471" cy="420471"/>
+              </a:xfrm>
+              <a:prstGeom prst="ellipse">
+                <a:avLst/>
+              </a:prstGeom>
+              <a:solidFill>
+                <a:schemeClr val="accent5">
+                  <a:lumMod val="40000"/>
+                  <a:lumOff val="60000"/>
+                </a:schemeClr>
+              </a:solidFill>
+            </p:spPr>
+            <p:style>
+              <a:lnRef idx="2">
+                <a:schemeClr val="accent1">
+                  <a:shade val="15000"/>
+                </a:schemeClr>
+              </a:lnRef>
+              <a:fillRef idx="1">
+                <a:schemeClr val="accent1"/>
+              </a:fillRef>
+              <a:effectRef idx="0">
+                <a:schemeClr val="accent1"/>
+              </a:effectRef>
+              <a:fontRef idx="minor">
+                <a:schemeClr val="lt1"/>
+              </a:fontRef>
+            </p:style>
+            <p:txBody>
+              <a:bodyPr rtlCol="0" anchor="ctr"/>
+              <a:lstStyle/>
+              <a:p>
+                <a:pPr algn="ctr"/>
+                <a:endParaRPr lang="en-US"/>
               </a:p>
             </p:txBody>
           </p:sp>
           <p:sp>
             <p:nvSpPr>
-              <p:cNvPr id="14" name="TextBox 13">
+              <p:cNvPr id="26" name="TextBox 25">
                 <a:extLst>
                   <a:ext uri="{FF2B5EF4-FFF2-40B4-BE49-F238E27FC236}">
-                    <a16:creationId xmlns:a16="http://schemas.microsoft.com/office/drawing/2014/main" id="{CA44314A-908D-C335-1F3C-5DC08EF5F6F6}"/>
+                    <a16:creationId xmlns:a16="http://schemas.microsoft.com/office/drawing/2014/main" id="{AF3620B6-1EA6-B916-BBC7-9767D4025382}"/>
                   </a:ext>
                 </a:extLst>
               </p:cNvPr>
@@ -3717,9 +4276,9 @@
               <p:nvPr/>
             </p:nvSpPr>
             <p:spPr>
-              <a:xfrm rot="2335952">
-                <a:off x="2999694" y="1474273"/>
-                <a:ext cx="715260" cy="246221"/>
+              <a:xfrm>
+                <a:off x="3338450" y="659041"/>
+                <a:ext cx="301686" cy="369332"/>
               </a:xfrm>
               <a:prstGeom prst="rect">
                 <a:avLst/>
@@ -3733,790 +4292,211 @@
               <a:lstStyle/>
               <a:p>
                 <a:r>
-                  <a:rPr lang="en-US" sz="1000" dirty="0"/>
-                  <a:t>decrypted</a:t>
+                  <a:rPr lang="en-US" b="1" dirty="0"/>
+                  <a:t>3</a:t>
                 </a:r>
               </a:p>
             </p:txBody>
           </p:sp>
-          <p:cxnSp>
-            <p:nvCxnSpPr>
-              <p:cNvPr id="15" name="Straight Arrow Connector 14">
+        </p:grpSp>
+        <p:grpSp>
+          <p:nvGrpSpPr>
+            <p:cNvPr id="20" name="Group 19">
+              <a:extLst>
+                <a:ext uri="{FF2B5EF4-FFF2-40B4-BE49-F238E27FC236}">
+                  <a16:creationId xmlns:a16="http://schemas.microsoft.com/office/drawing/2014/main" id="{FF1EE2DC-EC14-F13D-254A-62C4B0A23ACC}"/>
+                </a:ext>
+              </a:extLst>
+            </p:cNvPr>
+            <p:cNvGrpSpPr/>
+            <p:nvPr/>
+          </p:nvGrpSpPr>
+          <p:grpSpPr>
+            <a:xfrm>
+              <a:off x="3374528" y="1109133"/>
+              <a:ext cx="420471" cy="420471"/>
+              <a:chOff x="4017241" y="627554"/>
+              <a:chExt cx="420471" cy="420471"/>
+            </a:xfrm>
+          </p:grpSpPr>
+          <p:sp>
+            <p:nvSpPr>
+              <p:cNvPr id="23" name="Oval 22">
                 <a:extLst>
                   <a:ext uri="{FF2B5EF4-FFF2-40B4-BE49-F238E27FC236}">
-                    <a16:creationId xmlns:a16="http://schemas.microsoft.com/office/drawing/2014/main" id="{BB85C3BC-4ED1-7351-4343-8FB8E35173E5}"/>
+                    <a16:creationId xmlns:a16="http://schemas.microsoft.com/office/drawing/2014/main" id="{7A304C64-885F-FC53-A25E-E6C5F9FB2831}"/>
                   </a:ext>
                 </a:extLst>
               </p:cNvPr>
-              <p:cNvCxnSpPr>
-                <a:cxnSpLocks/>
-                <a:endCxn id="27" idx="2"/>
-              </p:cNvCxnSpPr>
+              <p:cNvSpPr/>
               <p:nvPr/>
-            </p:nvCxnSpPr>
+            </p:nvSpPr>
             <p:spPr>
               <a:xfrm>
-                <a:off x="1403536" y="1319926"/>
-                <a:ext cx="345448" cy="2782"/>
+                <a:off x="4017241" y="627554"/>
+                <a:ext cx="420471" cy="420471"/>
               </a:xfrm>
-              <a:prstGeom prst="straightConnector1">
+              <a:prstGeom prst="ellipse">
                 <a:avLst/>
               </a:prstGeom>
-              <a:ln w="15875">
-                <a:solidFill>
-                  <a:schemeClr val="tx1"/>
-                </a:solidFill>
-                <a:tailEnd type="triangle"/>
-              </a:ln>
+              <a:solidFill>
+                <a:schemeClr val="accent5">
+                  <a:lumMod val="40000"/>
+                  <a:lumOff val="60000"/>
+                </a:schemeClr>
+              </a:solidFill>
             </p:spPr>
             <p:style>
-              <a:lnRef idx="1">
-                <a:schemeClr val="accent1"/>
+              <a:lnRef idx="2">
+                <a:schemeClr val="accent1">
+                  <a:shade val="15000"/>
+                </a:schemeClr>
               </a:lnRef>
-              <a:fillRef idx="0">
+              <a:fillRef idx="1">
                 <a:schemeClr val="accent1"/>
               </a:fillRef>
               <a:effectRef idx="0">
                 <a:schemeClr val="accent1"/>
               </a:effectRef>
               <a:fontRef idx="minor">
-                <a:schemeClr val="tx1"/>
+                <a:schemeClr val="lt1"/>
               </a:fontRef>
             </p:style>
-          </p:cxnSp>
-          <p:grpSp>
-            <p:nvGrpSpPr>
-              <p:cNvPr id="16" name="Group 15">
+            <p:txBody>
+              <a:bodyPr rtlCol="0" anchor="ctr"/>
+              <a:lstStyle/>
+              <a:p>
+                <a:pPr algn="ctr"/>
+                <a:endParaRPr lang="en-US"/>
+              </a:p>
+            </p:txBody>
+          </p:sp>
+          <p:sp>
+            <p:nvSpPr>
+              <p:cNvPr id="24" name="TextBox 23">
                 <a:extLst>
                   <a:ext uri="{FF2B5EF4-FFF2-40B4-BE49-F238E27FC236}">
-                    <a16:creationId xmlns:a16="http://schemas.microsoft.com/office/drawing/2014/main" id="{5F384211-CA76-9F3B-1609-BB9310CB860D}"/>
+                    <a16:creationId xmlns:a16="http://schemas.microsoft.com/office/drawing/2014/main" id="{A218F31A-A76F-099B-5F00-57B07F396745}"/>
                   </a:ext>
                 </a:extLst>
               </p:cNvPr>
-              <p:cNvGrpSpPr/>
+              <p:cNvSpPr txBox="1"/>
               <p:nvPr/>
-            </p:nvGrpSpPr>
-            <p:grpSpPr>
+            </p:nvSpPr>
+            <p:spPr>
               <a:xfrm>
-                <a:off x="626801" y="1077361"/>
-                <a:ext cx="550151" cy="676426"/>
-                <a:chOff x="1413143" y="648944"/>
-                <a:chExt cx="550151" cy="676426"/>
+                <a:off x="4086572" y="659041"/>
+                <a:ext cx="301686" cy="369332"/>
               </a:xfrm>
-            </p:grpSpPr>
-            <p:sp>
-              <p:nvSpPr>
-                <p:cNvPr id="31" name="Oval 30">
-                  <a:extLst>
-                    <a:ext uri="{FF2B5EF4-FFF2-40B4-BE49-F238E27FC236}">
-                      <a16:creationId xmlns:a16="http://schemas.microsoft.com/office/drawing/2014/main" id="{DBD10D26-15AC-8335-B2B8-EB4F08A5F538}"/>
-                    </a:ext>
-                  </a:extLst>
-                </p:cNvPr>
-                <p:cNvSpPr/>
-                <p:nvPr/>
-              </p:nvSpPr>
-              <p:spPr>
-                <a:xfrm>
-                  <a:off x="1441090" y="684074"/>
-                  <a:ext cx="477739" cy="420471"/>
-                </a:xfrm>
-                <a:prstGeom prst="ellipse">
-                  <a:avLst/>
-                </a:prstGeom>
-                <a:noFill/>
-              </p:spPr>
-              <p:style>
-                <a:lnRef idx="2">
-                  <a:schemeClr val="accent1">
-                    <a:shade val="15000"/>
-                  </a:schemeClr>
-                </a:lnRef>
-                <a:fillRef idx="1">
-                  <a:schemeClr val="accent1"/>
-                </a:fillRef>
-                <a:effectRef idx="0">
-                  <a:schemeClr val="accent1"/>
-                </a:effectRef>
-                <a:fontRef idx="minor">
-                  <a:schemeClr val="lt1"/>
-                </a:fontRef>
-              </p:style>
-              <p:txBody>
-                <a:bodyPr rtlCol="0" anchor="ctr"/>
-                <a:lstStyle/>
-                <a:p>
-                  <a:pPr algn="ctr"/>
-                  <a:endParaRPr lang="en-US"/>
-                </a:p>
-              </p:txBody>
-            </p:sp>
-            <p:sp>
-              <p:nvSpPr>
-                <p:cNvPr id="32" name="TextBox 31">
-                  <a:extLst>
-                    <a:ext uri="{FF2B5EF4-FFF2-40B4-BE49-F238E27FC236}">
-                      <a16:creationId xmlns:a16="http://schemas.microsoft.com/office/drawing/2014/main" id="{293D9C4B-C548-E05B-91AF-949E75C6CFEB}"/>
-                    </a:ext>
-                  </a:extLst>
-                </p:cNvPr>
-                <p:cNvSpPr txBox="1"/>
-                <p:nvPr/>
-              </p:nvSpPr>
-              <p:spPr>
-                <a:xfrm>
-                  <a:off x="1413143" y="1079149"/>
-                  <a:ext cx="550151" cy="246221"/>
-                </a:xfrm>
-                <a:prstGeom prst="rect">
-                  <a:avLst/>
-                </a:prstGeom>
-                <a:noFill/>
-              </p:spPr>
-              <p:txBody>
-                <a:bodyPr wrap="none" rtlCol="0">
-                  <a:spAutoFit/>
-                </a:bodyPr>
-                <a:lstStyle/>
-                <a:p>
-                  <a:r>
-                    <a:rPr lang="en-US" sz="1000" dirty="0"/>
-                    <a:t>initiate</a:t>
-                  </a:r>
-                </a:p>
-              </p:txBody>
-            </p:sp>
-            <p:grpSp>
-              <p:nvGrpSpPr>
-                <p:cNvPr id="33" name="Group 32">
-                  <a:extLst>
-                    <a:ext uri="{FF2B5EF4-FFF2-40B4-BE49-F238E27FC236}">
-                      <a16:creationId xmlns:a16="http://schemas.microsoft.com/office/drawing/2014/main" id="{ABF090A3-A472-9666-3C59-E4FCA0473B0D}"/>
-                    </a:ext>
-                  </a:extLst>
-                </p:cNvPr>
-                <p:cNvGrpSpPr/>
-                <p:nvPr/>
-              </p:nvGrpSpPr>
-              <p:grpSpPr>
-                <a:xfrm>
-                  <a:off x="1769806" y="648944"/>
-                  <a:ext cx="80831" cy="101880"/>
-                  <a:chOff x="1681654" y="1284177"/>
-                  <a:chExt cx="80831" cy="101880"/>
-                </a:xfrm>
-              </p:grpSpPr>
-              <p:cxnSp>
-                <p:nvCxnSpPr>
-                  <p:cNvPr id="34" name="Straight Connector 33">
-                    <a:extLst>
-                      <a:ext uri="{FF2B5EF4-FFF2-40B4-BE49-F238E27FC236}">
-                        <a16:creationId xmlns:a16="http://schemas.microsoft.com/office/drawing/2014/main" id="{849EC88C-C7A4-F983-D5DA-8AC0D9CC3EFE}"/>
-                      </a:ext>
-                    </a:extLst>
-                  </p:cNvPr>
-                  <p:cNvCxnSpPr>
-                    <a:cxnSpLocks/>
-                  </p:cNvCxnSpPr>
-                  <p:nvPr/>
-                </p:nvCxnSpPr>
-                <p:spPr>
-                  <a:xfrm>
-                    <a:off x="1727116" y="1284177"/>
-                    <a:ext cx="35369" cy="86201"/>
-                  </a:xfrm>
-                  <a:prstGeom prst="line">
-                    <a:avLst/>
-                  </a:prstGeom>
-                  <a:ln w="15875">
-                    <a:solidFill>
-                      <a:schemeClr val="tx1"/>
-                    </a:solidFill>
-                  </a:ln>
-                </p:spPr>
-                <p:style>
-                  <a:lnRef idx="1">
-                    <a:schemeClr val="accent1"/>
-                  </a:lnRef>
-                  <a:fillRef idx="0">
-                    <a:schemeClr val="accent1"/>
-                  </a:fillRef>
-                  <a:effectRef idx="0">
-                    <a:schemeClr val="accent1"/>
-                  </a:effectRef>
-                  <a:fontRef idx="minor">
-                    <a:schemeClr val="tx1"/>
-                  </a:fontRef>
-                </p:style>
-              </p:cxnSp>
-              <p:cxnSp>
-                <p:nvCxnSpPr>
-                  <p:cNvPr id="35" name="Straight Connector 34">
-                    <a:extLst>
-                      <a:ext uri="{FF2B5EF4-FFF2-40B4-BE49-F238E27FC236}">
-                        <a16:creationId xmlns:a16="http://schemas.microsoft.com/office/drawing/2014/main" id="{8D859434-1D5D-8F5B-F710-4EEB80A4CEEF}"/>
-                      </a:ext>
-                    </a:extLst>
-                  </p:cNvPr>
-                  <p:cNvCxnSpPr>
-                    <a:cxnSpLocks/>
-                  </p:cNvCxnSpPr>
-                  <p:nvPr/>
-                </p:nvCxnSpPr>
-                <p:spPr>
-                  <a:xfrm>
-                    <a:off x="1681654" y="1386057"/>
-                    <a:ext cx="71567" cy="0"/>
-                  </a:xfrm>
-                  <a:prstGeom prst="line">
-                    <a:avLst/>
-                  </a:prstGeom>
-                  <a:ln w="15875">
-                    <a:solidFill>
-                      <a:schemeClr val="tx1"/>
-                    </a:solidFill>
-                  </a:ln>
-                </p:spPr>
-                <p:style>
-                  <a:lnRef idx="1">
-                    <a:schemeClr val="accent1"/>
-                  </a:lnRef>
-                  <a:fillRef idx="0">
-                    <a:schemeClr val="accent1"/>
-                  </a:fillRef>
-                  <a:effectRef idx="0">
-                    <a:schemeClr val="accent1"/>
-                  </a:effectRef>
-                  <a:fontRef idx="minor">
-                    <a:schemeClr val="tx1"/>
-                  </a:fontRef>
-                </p:style>
-              </p:cxnSp>
-            </p:grpSp>
-          </p:grpSp>
-          <p:grpSp>
-            <p:nvGrpSpPr>
-              <p:cNvPr id="17" name="Group 16">
-                <a:extLst>
-                  <a:ext uri="{FF2B5EF4-FFF2-40B4-BE49-F238E27FC236}">
-                    <a16:creationId xmlns:a16="http://schemas.microsoft.com/office/drawing/2014/main" id="{0CEA0CAE-5B10-EE90-04B9-F7E87B17242F}"/>
-                  </a:ext>
-                </a:extLst>
-              </p:cNvPr>
-              <p:cNvGrpSpPr/>
-              <p:nvPr/>
-            </p:nvGrpSpPr>
-            <p:grpSpPr>
-              <a:xfrm>
-                <a:off x="1003006" y="1120461"/>
-                <a:ext cx="420471" cy="420471"/>
-                <a:chOff x="1816835" y="653352"/>
-                <a:chExt cx="420471" cy="420471"/>
-              </a:xfrm>
-            </p:grpSpPr>
-            <p:sp>
-              <p:nvSpPr>
-                <p:cNvPr id="29" name="Oval 28">
-                  <a:extLst>
-                    <a:ext uri="{FF2B5EF4-FFF2-40B4-BE49-F238E27FC236}">
-                      <a16:creationId xmlns:a16="http://schemas.microsoft.com/office/drawing/2014/main" id="{640B304F-E51A-92CE-FEB4-88D948DE21E0}"/>
-                    </a:ext>
-                  </a:extLst>
-                </p:cNvPr>
-                <p:cNvSpPr/>
-                <p:nvPr/>
-              </p:nvSpPr>
-              <p:spPr>
-                <a:xfrm>
-                  <a:off x="1816835" y="653352"/>
-                  <a:ext cx="420471" cy="420471"/>
-                </a:xfrm>
-                <a:prstGeom prst="ellipse">
-                  <a:avLst/>
-                </a:prstGeom>
-                <a:solidFill>
-                  <a:schemeClr val="accent5">
-                    <a:lumMod val="40000"/>
-                    <a:lumOff val="60000"/>
-                  </a:schemeClr>
-                </a:solidFill>
-              </p:spPr>
-              <p:style>
-                <a:lnRef idx="2">
-                  <a:schemeClr val="accent1">
-                    <a:shade val="15000"/>
-                  </a:schemeClr>
-                </a:lnRef>
-                <a:fillRef idx="1">
-                  <a:schemeClr val="accent1"/>
-                </a:fillRef>
-                <a:effectRef idx="0">
-                  <a:schemeClr val="accent1"/>
-                </a:effectRef>
-                <a:fontRef idx="minor">
-                  <a:schemeClr val="lt1"/>
-                </a:fontRef>
-              </p:style>
-              <p:txBody>
-                <a:bodyPr rtlCol="0" anchor="ctr"/>
-                <a:lstStyle/>
-                <a:p>
-                  <a:pPr algn="ctr"/>
-                  <a:endParaRPr lang="en-US"/>
-                </a:p>
-              </p:txBody>
-            </p:sp>
-            <p:sp>
-              <p:nvSpPr>
-                <p:cNvPr id="30" name="TextBox 29">
-                  <a:extLst>
-                    <a:ext uri="{FF2B5EF4-FFF2-40B4-BE49-F238E27FC236}">
-                      <a16:creationId xmlns:a16="http://schemas.microsoft.com/office/drawing/2014/main" id="{89E08188-126E-ABA6-FA87-67FB83E9B3F1}"/>
-                    </a:ext>
-                  </a:extLst>
-                </p:cNvPr>
-                <p:cNvSpPr txBox="1"/>
-                <p:nvPr/>
-              </p:nvSpPr>
-              <p:spPr>
-                <a:xfrm>
-                  <a:off x="1885303" y="673230"/>
-                  <a:ext cx="301686" cy="369332"/>
-                </a:xfrm>
-                <a:prstGeom prst="rect">
-                  <a:avLst/>
-                </a:prstGeom>
-                <a:noFill/>
-              </p:spPr>
-              <p:txBody>
-                <a:bodyPr wrap="none" rtlCol="0">
-                  <a:spAutoFit/>
-                </a:bodyPr>
-                <a:lstStyle/>
-                <a:p>
-                  <a:r>
-                    <a:rPr lang="en-US" b="1" dirty="0"/>
-                    <a:t>1</a:t>
-                  </a:r>
-                </a:p>
-              </p:txBody>
-            </p:sp>
-          </p:grpSp>
-          <p:grpSp>
-            <p:nvGrpSpPr>
-              <p:cNvPr id="18" name="Group 17">
-                <a:extLst>
-                  <a:ext uri="{FF2B5EF4-FFF2-40B4-BE49-F238E27FC236}">
-                    <a16:creationId xmlns:a16="http://schemas.microsoft.com/office/drawing/2014/main" id="{B523498F-C10A-9240-8012-0AF16F5BD889}"/>
-                  </a:ext>
-                </a:extLst>
-              </p:cNvPr>
-              <p:cNvGrpSpPr/>
-              <p:nvPr/>
-            </p:nvGrpSpPr>
-            <p:grpSpPr>
-              <a:xfrm>
-                <a:off x="1748984" y="1112472"/>
-                <a:ext cx="420471" cy="420471"/>
-                <a:chOff x="2524773" y="622989"/>
-                <a:chExt cx="420471" cy="420471"/>
-              </a:xfrm>
-            </p:grpSpPr>
-            <p:sp>
-              <p:nvSpPr>
-                <p:cNvPr id="27" name="Oval 26">
-                  <a:extLst>
-                    <a:ext uri="{FF2B5EF4-FFF2-40B4-BE49-F238E27FC236}">
-                      <a16:creationId xmlns:a16="http://schemas.microsoft.com/office/drawing/2014/main" id="{ABAC6D98-2438-4A7E-85E1-1D52F68525B9}"/>
-                    </a:ext>
-                  </a:extLst>
-                </p:cNvPr>
-                <p:cNvSpPr/>
-                <p:nvPr/>
-              </p:nvSpPr>
-              <p:spPr>
-                <a:xfrm>
-                  <a:off x="2524773" y="622989"/>
-                  <a:ext cx="420471" cy="420471"/>
-                </a:xfrm>
-                <a:prstGeom prst="ellipse">
-                  <a:avLst/>
-                </a:prstGeom>
-                <a:solidFill>
-                  <a:schemeClr val="accent5">
-                    <a:lumMod val="40000"/>
-                    <a:lumOff val="60000"/>
-                  </a:schemeClr>
-                </a:solidFill>
-              </p:spPr>
-              <p:style>
-                <a:lnRef idx="2">
-                  <a:schemeClr val="accent1">
-                    <a:shade val="15000"/>
-                  </a:schemeClr>
-                </a:lnRef>
-                <a:fillRef idx="1">
-                  <a:schemeClr val="accent1"/>
-                </a:fillRef>
-                <a:effectRef idx="0">
-                  <a:schemeClr val="accent1"/>
-                </a:effectRef>
-                <a:fontRef idx="minor">
-                  <a:schemeClr val="lt1"/>
-                </a:fontRef>
-              </p:style>
-              <p:txBody>
-                <a:bodyPr rtlCol="0" anchor="ctr"/>
-                <a:lstStyle/>
-                <a:p>
-                  <a:pPr algn="ctr"/>
-                  <a:endParaRPr lang="en-US"/>
-                </a:p>
-              </p:txBody>
-            </p:sp>
-            <p:sp>
-              <p:nvSpPr>
-                <p:cNvPr id="28" name="TextBox 27">
-                  <a:extLst>
-                    <a:ext uri="{FF2B5EF4-FFF2-40B4-BE49-F238E27FC236}">
-                      <a16:creationId xmlns:a16="http://schemas.microsoft.com/office/drawing/2014/main" id="{6691248C-DDAD-A480-31FE-50C6E39972AE}"/>
-                    </a:ext>
-                  </a:extLst>
-                </p:cNvPr>
-                <p:cNvSpPr txBox="1"/>
-                <p:nvPr/>
-              </p:nvSpPr>
-              <p:spPr>
-                <a:xfrm>
-                  <a:off x="2593808" y="646066"/>
-                  <a:ext cx="301686" cy="369332"/>
-                </a:xfrm>
-                <a:prstGeom prst="rect">
-                  <a:avLst/>
-                </a:prstGeom>
-                <a:noFill/>
-              </p:spPr>
-              <p:txBody>
-                <a:bodyPr wrap="none" rtlCol="0">
-                  <a:spAutoFit/>
-                </a:bodyPr>
-                <a:lstStyle/>
-                <a:p>
-                  <a:r>
-                    <a:rPr lang="en-US" b="1" dirty="0"/>
-                    <a:t>2</a:t>
-                  </a:r>
-                </a:p>
-              </p:txBody>
-            </p:sp>
-          </p:grpSp>
-          <p:grpSp>
-            <p:nvGrpSpPr>
-              <p:cNvPr id="19" name="Group 18">
-                <a:extLst>
-                  <a:ext uri="{FF2B5EF4-FFF2-40B4-BE49-F238E27FC236}">
-                    <a16:creationId xmlns:a16="http://schemas.microsoft.com/office/drawing/2014/main" id="{430B3E03-70EE-0B64-3C50-A27A59F22968}"/>
-                  </a:ext>
-                </a:extLst>
-              </p:cNvPr>
-              <p:cNvGrpSpPr/>
-              <p:nvPr/>
-            </p:nvGrpSpPr>
-            <p:grpSpPr>
-              <a:xfrm>
-                <a:off x="2628783" y="1109133"/>
-                <a:ext cx="420471" cy="420471"/>
-                <a:chOff x="3262383" y="625642"/>
-                <a:chExt cx="420471" cy="420471"/>
-              </a:xfrm>
-            </p:grpSpPr>
-            <p:sp>
-              <p:nvSpPr>
-                <p:cNvPr id="25" name="Oval 24">
-                  <a:extLst>
-                    <a:ext uri="{FF2B5EF4-FFF2-40B4-BE49-F238E27FC236}">
-                      <a16:creationId xmlns:a16="http://schemas.microsoft.com/office/drawing/2014/main" id="{ED107F93-8830-9E5A-3762-37831D3ADD2B}"/>
-                    </a:ext>
-                  </a:extLst>
-                </p:cNvPr>
-                <p:cNvSpPr/>
-                <p:nvPr/>
-              </p:nvSpPr>
-              <p:spPr>
-                <a:xfrm>
-                  <a:off x="3262383" y="625642"/>
-                  <a:ext cx="420471" cy="420471"/>
-                </a:xfrm>
-                <a:prstGeom prst="ellipse">
-                  <a:avLst/>
-                </a:prstGeom>
-                <a:solidFill>
-                  <a:schemeClr val="accent5">
-                    <a:lumMod val="40000"/>
-                    <a:lumOff val="60000"/>
-                  </a:schemeClr>
-                </a:solidFill>
-              </p:spPr>
-              <p:style>
-                <a:lnRef idx="2">
-                  <a:schemeClr val="accent1">
-                    <a:shade val="15000"/>
-                  </a:schemeClr>
-                </a:lnRef>
-                <a:fillRef idx="1">
-                  <a:schemeClr val="accent1"/>
-                </a:fillRef>
-                <a:effectRef idx="0">
-                  <a:schemeClr val="accent1"/>
-                </a:effectRef>
-                <a:fontRef idx="minor">
-                  <a:schemeClr val="lt1"/>
-                </a:fontRef>
-              </p:style>
-              <p:txBody>
-                <a:bodyPr rtlCol="0" anchor="ctr"/>
-                <a:lstStyle/>
-                <a:p>
-                  <a:pPr algn="ctr"/>
-                  <a:endParaRPr lang="en-US"/>
-                </a:p>
-              </p:txBody>
-            </p:sp>
-            <p:sp>
-              <p:nvSpPr>
-                <p:cNvPr id="26" name="TextBox 25">
-                  <a:extLst>
-                    <a:ext uri="{FF2B5EF4-FFF2-40B4-BE49-F238E27FC236}">
-                      <a16:creationId xmlns:a16="http://schemas.microsoft.com/office/drawing/2014/main" id="{AF3620B6-1EA6-B916-BBC7-9767D4025382}"/>
-                    </a:ext>
-                  </a:extLst>
-                </p:cNvPr>
-                <p:cNvSpPr txBox="1"/>
-                <p:nvPr/>
-              </p:nvSpPr>
-              <p:spPr>
-                <a:xfrm>
-                  <a:off x="3338450" y="659041"/>
-                  <a:ext cx="301686" cy="369332"/>
-                </a:xfrm>
-                <a:prstGeom prst="rect">
-                  <a:avLst/>
-                </a:prstGeom>
-                <a:noFill/>
-              </p:spPr>
-              <p:txBody>
-                <a:bodyPr wrap="none" rtlCol="0">
-                  <a:spAutoFit/>
-                </a:bodyPr>
-                <a:lstStyle/>
-                <a:p>
-                  <a:r>
-                    <a:rPr lang="en-US" b="1" dirty="0"/>
-                    <a:t>3</a:t>
-                  </a:r>
-                </a:p>
-              </p:txBody>
-            </p:sp>
-          </p:grpSp>
-          <p:grpSp>
-            <p:nvGrpSpPr>
-              <p:cNvPr id="20" name="Group 19">
-                <a:extLst>
-                  <a:ext uri="{FF2B5EF4-FFF2-40B4-BE49-F238E27FC236}">
-                    <a16:creationId xmlns:a16="http://schemas.microsoft.com/office/drawing/2014/main" id="{FF1EE2DC-EC14-F13D-254A-62C4B0A23ACC}"/>
-                  </a:ext>
-                </a:extLst>
-              </p:cNvPr>
-              <p:cNvGrpSpPr/>
-              <p:nvPr/>
-            </p:nvGrpSpPr>
-            <p:grpSpPr>
-              <a:xfrm>
-                <a:off x="3374528" y="1109133"/>
-                <a:ext cx="420471" cy="420471"/>
-                <a:chOff x="4017241" y="627554"/>
-                <a:chExt cx="420471" cy="420471"/>
-              </a:xfrm>
-            </p:grpSpPr>
-            <p:sp>
-              <p:nvSpPr>
-                <p:cNvPr id="23" name="Oval 22">
-                  <a:extLst>
-                    <a:ext uri="{FF2B5EF4-FFF2-40B4-BE49-F238E27FC236}">
-                      <a16:creationId xmlns:a16="http://schemas.microsoft.com/office/drawing/2014/main" id="{7A304C64-885F-FC53-A25E-E6C5F9FB2831}"/>
-                    </a:ext>
-                  </a:extLst>
-                </p:cNvPr>
-                <p:cNvSpPr/>
-                <p:nvPr/>
-              </p:nvSpPr>
-              <p:spPr>
-                <a:xfrm>
-                  <a:off x="4017241" y="627554"/>
-                  <a:ext cx="420471" cy="420471"/>
-                </a:xfrm>
-                <a:prstGeom prst="ellipse">
-                  <a:avLst/>
-                </a:prstGeom>
-                <a:solidFill>
-                  <a:schemeClr val="accent5">
-                    <a:lumMod val="40000"/>
-                    <a:lumOff val="60000"/>
-                  </a:schemeClr>
-                </a:solidFill>
-              </p:spPr>
-              <p:style>
-                <a:lnRef idx="2">
-                  <a:schemeClr val="accent1">
-                    <a:shade val="15000"/>
-                  </a:schemeClr>
-                </a:lnRef>
-                <a:fillRef idx="1">
-                  <a:schemeClr val="accent1"/>
-                </a:fillRef>
-                <a:effectRef idx="0">
-                  <a:schemeClr val="accent1"/>
-                </a:effectRef>
-                <a:fontRef idx="minor">
-                  <a:schemeClr val="lt1"/>
-                </a:fontRef>
-              </p:style>
-              <p:txBody>
-                <a:bodyPr rtlCol="0" anchor="ctr"/>
-                <a:lstStyle/>
-                <a:p>
-                  <a:pPr algn="ctr"/>
-                  <a:endParaRPr lang="en-US"/>
-                </a:p>
-              </p:txBody>
-            </p:sp>
-            <p:sp>
-              <p:nvSpPr>
-                <p:cNvPr id="24" name="TextBox 23">
-                  <a:extLst>
-                    <a:ext uri="{FF2B5EF4-FFF2-40B4-BE49-F238E27FC236}">
-                      <a16:creationId xmlns:a16="http://schemas.microsoft.com/office/drawing/2014/main" id="{A218F31A-A76F-099B-5F00-57B07F396745}"/>
-                    </a:ext>
-                  </a:extLst>
-                </p:cNvPr>
-                <p:cNvSpPr txBox="1"/>
-                <p:nvPr/>
-              </p:nvSpPr>
-              <p:spPr>
-                <a:xfrm>
-                  <a:off x="4086572" y="659041"/>
-                  <a:ext cx="301686" cy="369332"/>
-                </a:xfrm>
-                <a:prstGeom prst="rect">
-                  <a:avLst/>
-                </a:prstGeom>
-                <a:noFill/>
-              </p:spPr>
-              <p:txBody>
-                <a:bodyPr wrap="none" rtlCol="0">
-                  <a:spAutoFit/>
-                </a:bodyPr>
-                <a:lstStyle/>
-                <a:p>
-                  <a:r>
-                    <a:rPr lang="en-US" b="1" dirty="0"/>
-                    <a:t>4</a:t>
-                  </a:r>
-                </a:p>
-              </p:txBody>
-            </p:sp>
-          </p:grpSp>
-          <p:cxnSp>
-            <p:nvCxnSpPr>
-              <p:cNvPr id="21" name="Straight Arrow Connector 20">
-                <a:extLst>
-                  <a:ext uri="{FF2B5EF4-FFF2-40B4-BE49-F238E27FC236}">
-                    <a16:creationId xmlns:a16="http://schemas.microsoft.com/office/drawing/2014/main" id="{9C5C0ABF-32D2-506B-BAD0-DEC5FF799741}"/>
-                  </a:ext>
-                </a:extLst>
-              </p:cNvPr>
-              <p:cNvCxnSpPr>
-                <a:cxnSpLocks/>
-                <a:endCxn id="25" idx="2"/>
-              </p:cNvCxnSpPr>
-              <p:nvPr/>
-            </p:nvCxnSpPr>
-            <p:spPr>
-              <a:xfrm flipV="1">
-                <a:off x="2169455" y="1319369"/>
-                <a:ext cx="459328" cy="6379"/>
-              </a:xfrm>
-              <a:prstGeom prst="straightConnector1">
+              <a:prstGeom prst="rect">
                 <a:avLst/>
               </a:prstGeom>
-              <a:ln w="15875">
-                <a:solidFill>
-                  <a:schemeClr val="tx1"/>
-                </a:solidFill>
-                <a:tailEnd type="triangle"/>
-              </a:ln>
+              <a:noFill/>
             </p:spPr>
-            <p:style>
-              <a:lnRef idx="1">
-                <a:schemeClr val="accent1"/>
-              </a:lnRef>
-              <a:fillRef idx="0">
-                <a:schemeClr val="accent1"/>
-              </a:fillRef>
-              <a:effectRef idx="0">
-                <a:schemeClr val="accent1"/>
-              </a:effectRef>
-              <a:fontRef idx="minor">
+            <p:txBody>
+              <a:bodyPr wrap="none" rtlCol="0">
+                <a:spAutoFit/>
+              </a:bodyPr>
+              <a:lstStyle/>
+              <a:p>
+                <a:r>
+                  <a:rPr lang="en-US" b="1" dirty="0"/>
+                  <a:t>4</a:t>
+                </a:r>
+              </a:p>
+            </p:txBody>
+          </p:sp>
+        </p:grpSp>
+        <p:cxnSp>
+          <p:nvCxnSpPr>
+            <p:cNvPr id="21" name="Straight Arrow Connector 20">
+              <a:extLst>
+                <a:ext uri="{FF2B5EF4-FFF2-40B4-BE49-F238E27FC236}">
+                  <a16:creationId xmlns:a16="http://schemas.microsoft.com/office/drawing/2014/main" id="{9C5C0ABF-32D2-506B-BAD0-DEC5FF799741}"/>
+                </a:ext>
+              </a:extLst>
+            </p:cNvPr>
+            <p:cNvCxnSpPr>
+              <a:cxnSpLocks/>
+              <a:endCxn id="25" idx="2"/>
+            </p:cNvCxnSpPr>
+            <p:nvPr/>
+          </p:nvCxnSpPr>
+          <p:spPr>
+            <a:xfrm flipV="1">
+              <a:off x="2169455" y="1319369"/>
+              <a:ext cx="459328" cy="6379"/>
+            </a:xfrm>
+            <a:prstGeom prst="straightConnector1">
+              <a:avLst/>
+            </a:prstGeom>
+            <a:ln w="15875">
+              <a:solidFill>
                 <a:schemeClr val="tx1"/>
-              </a:fontRef>
-            </p:style>
-          </p:cxnSp>
-          <p:cxnSp>
-            <p:nvCxnSpPr>
-              <p:cNvPr id="22" name="Straight Arrow Connector 21">
-                <a:extLst>
-                  <a:ext uri="{FF2B5EF4-FFF2-40B4-BE49-F238E27FC236}">
-                    <a16:creationId xmlns:a16="http://schemas.microsoft.com/office/drawing/2014/main" id="{93B39AA7-2E2A-1FD2-279D-BCEF83408436}"/>
-                  </a:ext>
-                </a:extLst>
-              </p:cNvPr>
-              <p:cNvCxnSpPr>
-                <a:cxnSpLocks/>
-                <a:endCxn id="23" idx="2"/>
-              </p:cNvCxnSpPr>
-              <p:nvPr/>
-            </p:nvCxnSpPr>
-            <p:spPr>
-              <a:xfrm>
-                <a:off x="3049254" y="1319368"/>
-                <a:ext cx="325274" cy="1"/>
-              </a:xfrm>
-              <a:prstGeom prst="straightConnector1">
-                <a:avLst/>
-              </a:prstGeom>
-              <a:ln w="15875">
-                <a:solidFill>
-                  <a:schemeClr val="tx1"/>
-                </a:solidFill>
-                <a:tailEnd type="triangle"/>
-              </a:ln>
-            </p:spPr>
-            <p:style>
-              <a:lnRef idx="1">
-                <a:schemeClr val="accent1"/>
-              </a:lnRef>
-              <a:fillRef idx="0">
-                <a:schemeClr val="accent1"/>
-              </a:fillRef>
-              <a:effectRef idx="0">
-                <a:schemeClr val="accent1"/>
-              </a:effectRef>
-              <a:fontRef idx="minor">
+              </a:solidFill>
+              <a:tailEnd type="triangle"/>
+            </a:ln>
+          </p:spPr>
+          <p:style>
+            <a:lnRef idx="1">
+              <a:schemeClr val="accent1"/>
+            </a:lnRef>
+            <a:fillRef idx="0">
+              <a:schemeClr val="accent1"/>
+            </a:fillRef>
+            <a:effectRef idx="0">
+              <a:schemeClr val="accent1"/>
+            </a:effectRef>
+            <a:fontRef idx="minor">
+              <a:schemeClr val="tx1"/>
+            </a:fontRef>
+          </p:style>
+        </p:cxnSp>
+        <p:cxnSp>
+          <p:nvCxnSpPr>
+            <p:cNvPr id="22" name="Straight Arrow Connector 21">
+              <a:extLst>
+                <a:ext uri="{FF2B5EF4-FFF2-40B4-BE49-F238E27FC236}">
+                  <a16:creationId xmlns:a16="http://schemas.microsoft.com/office/drawing/2014/main" id="{93B39AA7-2E2A-1FD2-279D-BCEF83408436}"/>
+                </a:ext>
+              </a:extLst>
+            </p:cNvPr>
+            <p:cNvCxnSpPr>
+              <a:cxnSpLocks/>
+              <a:endCxn id="23" idx="2"/>
+            </p:cNvCxnSpPr>
+            <p:nvPr/>
+          </p:nvCxnSpPr>
+          <p:spPr>
+            <a:xfrm>
+              <a:off x="3049254" y="1319368"/>
+              <a:ext cx="325274" cy="1"/>
+            </a:xfrm>
+            <a:prstGeom prst="straightConnector1">
+              <a:avLst/>
+            </a:prstGeom>
+            <a:ln w="15875">
+              <a:solidFill>
                 <a:schemeClr val="tx1"/>
-              </a:fontRef>
-            </p:style>
-          </p:cxnSp>
-        </p:grpSp>
+              </a:solidFill>
+              <a:tailEnd type="triangle"/>
+            </a:ln>
+          </p:spPr>
+          <p:style>
+            <a:lnRef idx="1">
+              <a:schemeClr val="accent1"/>
+            </a:lnRef>
+            <a:fillRef idx="0">
+              <a:schemeClr val="accent1"/>
+            </a:fillRef>
+            <a:effectRef idx="0">
+              <a:schemeClr val="accent1"/>
+            </a:effectRef>
+            <a:fontRef idx="minor">
+              <a:schemeClr val="tx1"/>
+            </a:fontRef>
+          </p:style>
+        </p:cxnSp>
       </p:grpSp>
       <p:grpSp>
         <p:nvGrpSpPr>
@@ -6284,6 +6264,384 @@
           </a:p>
         </p:txBody>
       </p:sp>
+      <p:grpSp>
+        <p:nvGrpSpPr>
+          <p:cNvPr id="56" name="Group 55">
+            <a:extLst>
+              <a:ext uri="{FF2B5EF4-FFF2-40B4-BE49-F238E27FC236}">
+                <a16:creationId xmlns:a16="http://schemas.microsoft.com/office/drawing/2014/main" id="{4181F9AD-D7A7-288F-E8BB-48B19496DDE0}"/>
+              </a:ext>
+            </a:extLst>
+          </p:cNvPr>
+          <p:cNvGrpSpPr/>
+          <p:nvPr/>
+        </p:nvGrpSpPr>
+        <p:grpSpPr>
+          <a:xfrm>
+            <a:off x="7228703" y="3627539"/>
+            <a:ext cx="395416" cy="395416"/>
+            <a:chOff x="7228703" y="3627539"/>
+            <a:chExt cx="395416" cy="395416"/>
+          </a:xfrm>
+        </p:grpSpPr>
+        <p:sp>
+          <p:nvSpPr>
+            <p:cNvPr id="2" name="Oval 1">
+              <a:extLst>
+                <a:ext uri="{FF2B5EF4-FFF2-40B4-BE49-F238E27FC236}">
+                  <a16:creationId xmlns:a16="http://schemas.microsoft.com/office/drawing/2014/main" id="{812CADC6-9185-E4C5-740E-09D004B8D4ED}"/>
+                </a:ext>
+              </a:extLst>
+            </p:cNvPr>
+            <p:cNvSpPr/>
+            <p:nvPr/>
+          </p:nvSpPr>
+          <p:spPr>
+            <a:xfrm>
+              <a:off x="7228703" y="3627539"/>
+              <a:ext cx="395416" cy="395416"/>
+            </a:xfrm>
+            <a:prstGeom prst="ellipse">
+              <a:avLst/>
+            </a:prstGeom>
+            <a:solidFill>
+              <a:srgbClr val="96DCF9"/>
+            </a:solidFill>
+          </p:spPr>
+          <p:style>
+            <a:lnRef idx="2">
+              <a:schemeClr val="accent1">
+                <a:shade val="15000"/>
+              </a:schemeClr>
+            </a:lnRef>
+            <a:fillRef idx="1">
+              <a:schemeClr val="accent1"/>
+            </a:fillRef>
+            <a:effectRef idx="0">
+              <a:schemeClr val="accent1"/>
+            </a:effectRef>
+            <a:fontRef idx="minor">
+              <a:schemeClr val="lt1"/>
+            </a:fontRef>
+          </p:style>
+          <p:txBody>
+            <a:bodyPr rtlCol="0" anchor="ctr"/>
+            <a:lstStyle/>
+            <a:p>
+              <a:pPr algn="ctr"/>
+              <a:endParaRPr lang="en-US"/>
+            </a:p>
+          </p:txBody>
+        </p:sp>
+        <p:sp>
+          <p:nvSpPr>
+            <p:cNvPr id="3" name="TextBox 2">
+              <a:extLst>
+                <a:ext uri="{FF2B5EF4-FFF2-40B4-BE49-F238E27FC236}">
+                  <a16:creationId xmlns:a16="http://schemas.microsoft.com/office/drawing/2014/main" id="{A1633B20-4D84-AA56-C6FA-322742819AA8}"/>
+                </a:ext>
+              </a:extLst>
+            </p:cNvPr>
+            <p:cNvSpPr txBox="1"/>
+            <p:nvPr/>
+          </p:nvSpPr>
+          <p:spPr>
+            <a:xfrm>
+              <a:off x="7272362" y="3653623"/>
+              <a:ext cx="308098" cy="369332"/>
+            </a:xfrm>
+            <a:prstGeom prst="rect">
+              <a:avLst/>
+            </a:prstGeom>
+            <a:noFill/>
+          </p:spPr>
+          <p:txBody>
+            <a:bodyPr wrap="none" rtlCol="0">
+              <a:spAutoFit/>
+            </a:bodyPr>
+            <a:lstStyle/>
+            <a:p>
+              <a:r>
+                <a:rPr lang="en-US" dirty="0"/>
+                <a:t>1</a:t>
+              </a:r>
+            </a:p>
+          </p:txBody>
+        </p:sp>
+      </p:grpSp>
+      <p:grpSp>
+        <p:nvGrpSpPr>
+          <p:cNvPr id="57" name="Group 56">
+            <a:extLst>
+              <a:ext uri="{FF2B5EF4-FFF2-40B4-BE49-F238E27FC236}">
+                <a16:creationId xmlns:a16="http://schemas.microsoft.com/office/drawing/2014/main" id="{6E9B8663-EB6D-A61D-7EDA-94E670F4F875}"/>
+              </a:ext>
+            </a:extLst>
+          </p:cNvPr>
+          <p:cNvGrpSpPr/>
+          <p:nvPr/>
+        </p:nvGrpSpPr>
+        <p:grpSpPr>
+          <a:xfrm>
+            <a:off x="8517925" y="3714941"/>
+            <a:ext cx="395416" cy="395416"/>
+            <a:chOff x="8517925" y="3714941"/>
+            <a:chExt cx="395416" cy="395416"/>
+          </a:xfrm>
+        </p:grpSpPr>
+        <p:sp>
+          <p:nvSpPr>
+            <p:cNvPr id="55" name="Oval 54">
+              <a:extLst>
+                <a:ext uri="{FF2B5EF4-FFF2-40B4-BE49-F238E27FC236}">
+                  <a16:creationId xmlns:a16="http://schemas.microsoft.com/office/drawing/2014/main" id="{5F93D464-6803-CC00-8A53-1E80609848E6}"/>
+                </a:ext>
+              </a:extLst>
+            </p:cNvPr>
+            <p:cNvSpPr/>
+            <p:nvPr/>
+          </p:nvSpPr>
+          <p:spPr>
+            <a:xfrm>
+              <a:off x="8517925" y="3714941"/>
+              <a:ext cx="395416" cy="395416"/>
+            </a:xfrm>
+            <a:prstGeom prst="ellipse">
+              <a:avLst/>
+            </a:prstGeom>
+            <a:solidFill>
+              <a:srgbClr val="96DCF9"/>
+            </a:solidFill>
+          </p:spPr>
+          <p:style>
+            <a:lnRef idx="2">
+              <a:schemeClr val="accent1">
+                <a:shade val="15000"/>
+              </a:schemeClr>
+            </a:lnRef>
+            <a:fillRef idx="1">
+              <a:schemeClr val="accent1"/>
+            </a:fillRef>
+            <a:effectRef idx="0">
+              <a:schemeClr val="accent1"/>
+            </a:effectRef>
+            <a:fontRef idx="minor">
+              <a:schemeClr val="lt1"/>
+            </a:fontRef>
+          </p:style>
+          <p:txBody>
+            <a:bodyPr rtlCol="0" anchor="ctr"/>
+            <a:lstStyle/>
+            <a:p>
+              <a:pPr algn="ctr"/>
+              <a:endParaRPr lang="en-US"/>
+            </a:p>
+          </p:txBody>
+        </p:sp>
+        <p:sp>
+          <p:nvSpPr>
+            <p:cNvPr id="54" name="TextBox 53">
+              <a:extLst>
+                <a:ext uri="{FF2B5EF4-FFF2-40B4-BE49-F238E27FC236}">
+                  <a16:creationId xmlns:a16="http://schemas.microsoft.com/office/drawing/2014/main" id="{5D5E4693-F57E-68DC-5E2E-113301479A44}"/>
+                </a:ext>
+              </a:extLst>
+            </p:cNvPr>
+            <p:cNvSpPr txBox="1"/>
+            <p:nvPr/>
+          </p:nvSpPr>
+          <p:spPr>
+            <a:xfrm>
+              <a:off x="8566666" y="3719872"/>
+              <a:ext cx="308098" cy="369332"/>
+            </a:xfrm>
+            <a:prstGeom prst="rect">
+              <a:avLst/>
+            </a:prstGeom>
+            <a:noFill/>
+          </p:spPr>
+          <p:txBody>
+            <a:bodyPr wrap="none" rtlCol="0">
+              <a:spAutoFit/>
+            </a:bodyPr>
+            <a:lstStyle/>
+            <a:p>
+              <a:r>
+                <a:rPr lang="en-US" dirty="0"/>
+                <a:t>2</a:t>
+              </a:r>
+            </a:p>
+          </p:txBody>
+        </p:sp>
+      </p:grpSp>
+      <p:sp>
+        <p:nvSpPr>
+          <p:cNvPr id="59" name="Oval 58">
+            <a:extLst>
+              <a:ext uri="{FF2B5EF4-FFF2-40B4-BE49-F238E27FC236}">
+                <a16:creationId xmlns:a16="http://schemas.microsoft.com/office/drawing/2014/main" id="{80B42A63-A0E2-45BE-AA5F-BD2F420E197A}"/>
+              </a:ext>
+            </a:extLst>
+          </p:cNvPr>
+          <p:cNvSpPr/>
+          <p:nvPr/>
+        </p:nvSpPr>
+        <p:spPr>
+          <a:xfrm>
+            <a:off x="5072239" y="3059175"/>
+            <a:ext cx="395416" cy="395416"/>
+          </a:xfrm>
+          <a:prstGeom prst="ellipse">
+            <a:avLst/>
+          </a:prstGeom>
+          <a:solidFill>
+            <a:srgbClr val="E69EDD"/>
+          </a:solidFill>
+        </p:spPr>
+        <p:style>
+          <a:lnRef idx="2">
+            <a:schemeClr val="accent1">
+              <a:shade val="15000"/>
+            </a:schemeClr>
+          </a:lnRef>
+          <a:fillRef idx="1">
+            <a:schemeClr val="accent1"/>
+          </a:fillRef>
+          <a:effectRef idx="0">
+            <a:schemeClr val="accent1"/>
+          </a:effectRef>
+          <a:fontRef idx="minor">
+            <a:schemeClr val="lt1"/>
+          </a:fontRef>
+        </p:style>
+        <p:txBody>
+          <a:bodyPr rtlCol="0" anchor="ctr"/>
+          <a:lstStyle/>
+          <a:p>
+            <a:pPr algn="ctr"/>
+            <a:endParaRPr lang="en-US"/>
+          </a:p>
+        </p:txBody>
+      </p:sp>
+      <p:sp>
+        <p:nvSpPr>
+          <p:cNvPr id="60" name="TextBox 59">
+            <a:extLst>
+              <a:ext uri="{FF2B5EF4-FFF2-40B4-BE49-F238E27FC236}">
+                <a16:creationId xmlns:a16="http://schemas.microsoft.com/office/drawing/2014/main" id="{B7ADDEC5-F99B-95C9-FC83-B93A69B9850D}"/>
+              </a:ext>
+            </a:extLst>
+          </p:cNvPr>
+          <p:cNvSpPr txBox="1"/>
+          <p:nvPr/>
+        </p:nvSpPr>
+        <p:spPr>
+          <a:xfrm>
+            <a:off x="5115898" y="3085259"/>
+            <a:ext cx="308098" cy="369332"/>
+          </a:xfrm>
+          <a:prstGeom prst="rect">
+            <a:avLst/>
+          </a:prstGeom>
+          <a:noFill/>
+        </p:spPr>
+        <p:txBody>
+          <a:bodyPr wrap="none" rtlCol="0">
+            <a:spAutoFit/>
+          </a:bodyPr>
+          <a:lstStyle/>
+          <a:p>
+            <a:r>
+              <a:rPr lang="en-US" dirty="0"/>
+              <a:t>1</a:t>
+            </a:r>
+          </a:p>
+        </p:txBody>
+      </p:sp>
+      <p:sp>
+        <p:nvSpPr>
+          <p:cNvPr id="62" name="Oval 61">
+            <a:extLst>
+              <a:ext uri="{FF2B5EF4-FFF2-40B4-BE49-F238E27FC236}">
+                <a16:creationId xmlns:a16="http://schemas.microsoft.com/office/drawing/2014/main" id="{4610C9A0-56C6-B5E5-7B4A-B21B743DF341}"/>
+              </a:ext>
+            </a:extLst>
+          </p:cNvPr>
+          <p:cNvSpPr/>
+          <p:nvPr/>
+        </p:nvSpPr>
+        <p:spPr>
+          <a:xfrm>
+            <a:off x="5867412" y="3059175"/>
+            <a:ext cx="395416" cy="395416"/>
+          </a:xfrm>
+          <a:prstGeom prst="ellipse">
+            <a:avLst/>
+          </a:prstGeom>
+          <a:solidFill>
+            <a:srgbClr val="8ED973"/>
+          </a:solidFill>
+        </p:spPr>
+        <p:style>
+          <a:lnRef idx="2">
+            <a:schemeClr val="accent1">
+              <a:shade val="15000"/>
+            </a:schemeClr>
+          </a:lnRef>
+          <a:fillRef idx="1">
+            <a:schemeClr val="accent1"/>
+          </a:fillRef>
+          <a:effectRef idx="0">
+            <a:schemeClr val="accent1"/>
+          </a:effectRef>
+          <a:fontRef idx="minor">
+            <a:schemeClr val="lt1"/>
+          </a:fontRef>
+        </p:style>
+        <p:txBody>
+          <a:bodyPr rtlCol="0" anchor="ctr"/>
+          <a:lstStyle/>
+          <a:p>
+            <a:pPr algn="ctr"/>
+            <a:endParaRPr lang="en-US"/>
+          </a:p>
+        </p:txBody>
+      </p:sp>
+      <p:sp>
+        <p:nvSpPr>
+          <p:cNvPr id="63" name="TextBox 62">
+            <a:extLst>
+              <a:ext uri="{FF2B5EF4-FFF2-40B4-BE49-F238E27FC236}">
+                <a16:creationId xmlns:a16="http://schemas.microsoft.com/office/drawing/2014/main" id="{0F12AF76-C46A-F572-FDAA-21C6D675675F}"/>
+              </a:ext>
+            </a:extLst>
+          </p:cNvPr>
+          <p:cNvSpPr txBox="1"/>
+          <p:nvPr/>
+        </p:nvSpPr>
+        <p:spPr>
+          <a:xfrm>
+            <a:off x="5911071" y="3085259"/>
+            <a:ext cx="308098" cy="369332"/>
+          </a:xfrm>
+          <a:prstGeom prst="rect">
+            <a:avLst/>
+          </a:prstGeom>
+          <a:noFill/>
+        </p:spPr>
+        <p:txBody>
+          <a:bodyPr wrap="none" rtlCol="0">
+            <a:spAutoFit/>
+          </a:bodyPr>
+          <a:lstStyle/>
+          <a:p>
+            <a:r>
+              <a:rPr lang="en-US" dirty="0"/>
+              <a:t>1</a:t>
+            </a:r>
+          </a:p>
+        </p:txBody>
+      </p:sp>
     </p:spTree>
     <p:extLst>
       <p:ext uri="{BB962C8B-B14F-4D97-AF65-F5344CB8AC3E}">
@@ -7606,10 +7964,9 @@
           <a:lstStyle/>
           <a:p>
             <a:r>
-              <a:rPr lang="en-US" dirty="0" err="1"/>
+              <a:rPr lang="en-US" dirty="0"/>
               <a:t>srcNet</a:t>
             </a:r>
-            <a:endParaRPr lang="en-US" dirty="0"/>
           </a:p>
         </p:txBody>
       </p:sp>
@@ -7642,10 +7999,9 @@
           <a:lstStyle/>
           <a:p>
             <a:r>
-              <a:rPr lang="en-US" dirty="0" err="1"/>
+              <a:rPr lang="en-US" dirty="0"/>
               <a:t>dstNet</a:t>
             </a:r>
-            <a:endParaRPr lang="en-US" dirty="0"/>
           </a:p>
         </p:txBody>
       </p:sp>
@@ -7678,10 +8034,9 @@
           <a:lstStyle/>
           <a:p>
             <a:r>
-              <a:rPr lang="en-US" dirty="0" err="1"/>
+              <a:rPr lang="en-US" dirty="0"/>
               <a:t>viaNet</a:t>
             </a:r>
-            <a:endParaRPr lang="en-US" dirty="0"/>
           </a:p>
         </p:txBody>
       </p:sp>
@@ -7689,6 +8044,2813 @@
     <p:extLst>
       <p:ext uri="{BB962C8B-B14F-4D97-AF65-F5344CB8AC3E}">
         <p14:creationId xmlns:p14="http://schemas.microsoft.com/office/powerpoint/2010/main" val="1480639192"/>
+      </p:ext>
+    </p:extLst>
+  </p:cSld>
+  <p:clrMapOvr>
+    <a:masterClrMapping/>
+  </p:clrMapOvr>
+</p:sld>
+</file>
+
+<file path=ppt/slides/slide3.xml><?xml version="1.0" encoding="utf-8"?>
+<p:sld xmlns:a="http://schemas.openxmlformats.org/drawingml/2006/main" xmlns:r="http://schemas.openxmlformats.org/officeDocument/2006/relationships" xmlns:p="http://schemas.openxmlformats.org/presentationml/2006/main">
+  <p:cSld>
+    <p:spTree>
+      <p:nvGrpSpPr>
+        <p:cNvPr id="1" name="">
+          <a:extLst>
+            <a:ext uri="{FF2B5EF4-FFF2-40B4-BE49-F238E27FC236}">
+              <a16:creationId xmlns:a16="http://schemas.microsoft.com/office/drawing/2014/main" id="{CE5DD2AD-49DB-A713-98B6-664D5947B3A3}"/>
+            </a:ext>
+          </a:extLst>
+        </p:cNvPr>
+        <p:cNvGrpSpPr/>
+        <p:nvPr/>
+      </p:nvGrpSpPr>
+      <p:grpSpPr>
+        <a:xfrm>
+          <a:off x="0" y="0"/>
+          <a:ext cx="0" cy="0"/>
+          <a:chOff x="0" y="0"/>
+          <a:chExt cx="0" cy="0"/>
+        </a:xfrm>
+      </p:grpSpPr>
+      <p:pic>
+        <p:nvPicPr>
+          <p:cNvPr id="3" name="Picture 2" descr="A black background with a black square&#10;&#10;Description automatically generated with medium confidence">
+            <a:extLst>
+              <a:ext uri="{FF2B5EF4-FFF2-40B4-BE49-F238E27FC236}">
+                <a16:creationId xmlns:a16="http://schemas.microsoft.com/office/drawing/2014/main" id="{8C923767-9CEA-09AD-380D-5324F4A93035}"/>
+              </a:ext>
+            </a:extLst>
+          </p:cNvPr>
+          <p:cNvPicPr>
+            <a:picLocks noChangeAspect="1"/>
+          </p:cNvPicPr>
+          <p:nvPr/>
+        </p:nvPicPr>
+        <p:blipFill>
+          <a:blip r:embed="rId2"/>
+          <a:stretch>
+            <a:fillRect/>
+          </a:stretch>
+        </p:blipFill>
+        <p:spPr>
+          <a:xfrm>
+            <a:off x="7633162" y="3687968"/>
+            <a:ext cx="381000" cy="381000"/>
+          </a:xfrm>
+          <a:prstGeom prst="rect">
+            <a:avLst/>
+          </a:prstGeom>
+        </p:spPr>
+      </p:pic>
+      <p:pic>
+        <p:nvPicPr>
+          <p:cNvPr id="5" name="Picture 4" descr="A black background with a black square&#10;&#10;Description automatically generated with medium confidence">
+            <a:extLst>
+              <a:ext uri="{FF2B5EF4-FFF2-40B4-BE49-F238E27FC236}">
+                <a16:creationId xmlns:a16="http://schemas.microsoft.com/office/drawing/2014/main" id="{5AB52214-EC3C-E83E-C05E-CBFD77482DF2}"/>
+              </a:ext>
+            </a:extLst>
+          </p:cNvPr>
+          <p:cNvPicPr>
+            <a:picLocks noChangeAspect="1"/>
+          </p:cNvPicPr>
+          <p:nvPr/>
+        </p:nvPicPr>
+        <p:blipFill>
+          <a:blip r:embed="rId3"/>
+          <a:stretch>
+            <a:fillRect/>
+          </a:stretch>
+        </p:blipFill>
+        <p:spPr>
+          <a:xfrm>
+            <a:off x="5482204" y="2143652"/>
+            <a:ext cx="518984" cy="518984"/>
+          </a:xfrm>
+          <a:prstGeom prst="rect">
+            <a:avLst/>
+          </a:prstGeom>
+        </p:spPr>
+      </p:pic>
+      <p:sp>
+        <p:nvSpPr>
+          <p:cNvPr id="8" name="Oval 7">
+            <a:extLst>
+              <a:ext uri="{FF2B5EF4-FFF2-40B4-BE49-F238E27FC236}">
+                <a16:creationId xmlns:a16="http://schemas.microsoft.com/office/drawing/2014/main" id="{A67048EC-EFE1-AAC3-5625-B668875A11B1}"/>
+              </a:ext>
+            </a:extLst>
+          </p:cNvPr>
+          <p:cNvSpPr/>
+          <p:nvPr/>
+        </p:nvSpPr>
+        <p:spPr>
+          <a:xfrm>
+            <a:off x="2288237" y="2565032"/>
+            <a:ext cx="2842323" cy="2787055"/>
+          </a:xfrm>
+          <a:prstGeom prst="ellipse">
+            <a:avLst/>
+          </a:prstGeom>
+          <a:noFill/>
+        </p:spPr>
+        <p:style>
+          <a:lnRef idx="2">
+            <a:schemeClr val="accent1">
+              <a:shade val="15000"/>
+            </a:schemeClr>
+          </a:lnRef>
+          <a:fillRef idx="1">
+            <a:schemeClr val="accent1"/>
+          </a:fillRef>
+          <a:effectRef idx="0">
+            <a:schemeClr val="accent1"/>
+          </a:effectRef>
+          <a:fontRef idx="minor">
+            <a:schemeClr val="lt1"/>
+          </a:fontRef>
+        </p:style>
+        <p:txBody>
+          <a:bodyPr rtlCol="0" anchor="ctr"/>
+          <a:lstStyle/>
+          <a:p>
+            <a:pPr algn="ctr"/>
+            <a:endParaRPr lang="en-US"/>
+          </a:p>
+        </p:txBody>
+      </p:sp>
+      <p:sp>
+        <p:nvSpPr>
+          <p:cNvPr id="9" name="Oval 8">
+            <a:extLst>
+              <a:ext uri="{FF2B5EF4-FFF2-40B4-BE49-F238E27FC236}">
+                <a16:creationId xmlns:a16="http://schemas.microsoft.com/office/drawing/2014/main" id="{2EBA091B-7927-4C66-1A52-9E79CD29C7F5}"/>
+              </a:ext>
+            </a:extLst>
+          </p:cNvPr>
+          <p:cNvSpPr/>
+          <p:nvPr/>
+        </p:nvSpPr>
+        <p:spPr>
+          <a:xfrm>
+            <a:off x="4345369" y="641945"/>
+            <a:ext cx="2842323" cy="2787055"/>
+          </a:xfrm>
+          <a:prstGeom prst="ellipse">
+            <a:avLst/>
+          </a:prstGeom>
+          <a:noFill/>
+        </p:spPr>
+        <p:style>
+          <a:lnRef idx="2">
+            <a:schemeClr val="accent1">
+              <a:shade val="15000"/>
+            </a:schemeClr>
+          </a:lnRef>
+          <a:fillRef idx="1">
+            <a:schemeClr val="accent1"/>
+          </a:fillRef>
+          <a:effectRef idx="0">
+            <a:schemeClr val="accent1"/>
+          </a:effectRef>
+          <a:fontRef idx="minor">
+            <a:schemeClr val="lt1"/>
+          </a:fontRef>
+        </p:style>
+        <p:txBody>
+          <a:bodyPr rtlCol="0" anchor="ctr"/>
+          <a:lstStyle/>
+          <a:p>
+            <a:pPr algn="ctr"/>
+            <a:endParaRPr lang="en-US"/>
+          </a:p>
+        </p:txBody>
+      </p:sp>
+      <p:sp>
+        <p:nvSpPr>
+          <p:cNvPr id="10" name="Oval 9">
+            <a:extLst>
+              <a:ext uri="{FF2B5EF4-FFF2-40B4-BE49-F238E27FC236}">
+                <a16:creationId xmlns:a16="http://schemas.microsoft.com/office/drawing/2014/main" id="{B5ECA164-9C7D-DC89-0D01-91973F536573}"/>
+              </a:ext>
+            </a:extLst>
+          </p:cNvPr>
+          <p:cNvSpPr/>
+          <p:nvPr/>
+        </p:nvSpPr>
+        <p:spPr>
+          <a:xfrm>
+            <a:off x="6402501" y="2565031"/>
+            <a:ext cx="2842323" cy="2787055"/>
+          </a:xfrm>
+          <a:prstGeom prst="ellipse">
+            <a:avLst/>
+          </a:prstGeom>
+          <a:noFill/>
+        </p:spPr>
+        <p:style>
+          <a:lnRef idx="2">
+            <a:schemeClr val="accent1">
+              <a:shade val="15000"/>
+            </a:schemeClr>
+          </a:lnRef>
+          <a:fillRef idx="1">
+            <a:schemeClr val="accent1"/>
+          </a:fillRef>
+          <a:effectRef idx="0">
+            <a:schemeClr val="accent1"/>
+          </a:effectRef>
+          <a:fontRef idx="minor">
+            <a:schemeClr val="lt1"/>
+          </a:fontRef>
+        </p:style>
+        <p:txBody>
+          <a:bodyPr rtlCol="0" anchor="ctr"/>
+          <a:lstStyle/>
+          <a:p>
+            <a:pPr algn="ctr"/>
+            <a:endParaRPr lang="en-US"/>
+          </a:p>
+        </p:txBody>
+      </p:sp>
+      <p:pic>
+        <p:nvPicPr>
+          <p:cNvPr id="17" name="Picture 16" descr="A black background with a black square&#10;&#10;Description automatically generated with medium confidence">
+            <a:extLst>
+              <a:ext uri="{FF2B5EF4-FFF2-40B4-BE49-F238E27FC236}">
+                <a16:creationId xmlns:a16="http://schemas.microsoft.com/office/drawing/2014/main" id="{3CC65CC3-DCA3-43B5-ABA3-2339A5A0CDAD}"/>
+              </a:ext>
+            </a:extLst>
+          </p:cNvPr>
+          <p:cNvPicPr>
+            <a:picLocks noChangeAspect="1"/>
+          </p:cNvPicPr>
+          <p:nvPr/>
+        </p:nvPicPr>
+        <p:blipFill>
+          <a:blip r:embed="rId4"/>
+          <a:stretch>
+            <a:fillRect/>
+          </a:stretch>
+        </p:blipFill>
+        <p:spPr>
+          <a:xfrm>
+            <a:off x="2686311" y="4333610"/>
+            <a:ext cx="521730" cy="521730"/>
+          </a:xfrm>
+          <a:prstGeom prst="rect">
+            <a:avLst/>
+          </a:prstGeom>
+        </p:spPr>
+      </p:pic>
+      <p:pic>
+        <p:nvPicPr>
+          <p:cNvPr id="18" name="Picture 17" descr="A black background with a black square&#10;&#10;Description automatically generated with medium confidence">
+            <a:extLst>
+              <a:ext uri="{FF2B5EF4-FFF2-40B4-BE49-F238E27FC236}">
+                <a16:creationId xmlns:a16="http://schemas.microsoft.com/office/drawing/2014/main" id="{680AF0E0-2BC7-6939-CE15-BB0972AD1228}"/>
+              </a:ext>
+            </a:extLst>
+          </p:cNvPr>
+          <p:cNvPicPr>
+            <a:picLocks noChangeAspect="1"/>
+          </p:cNvPicPr>
+          <p:nvPr/>
+        </p:nvPicPr>
+        <p:blipFill>
+          <a:blip r:embed="rId3"/>
+          <a:stretch>
+            <a:fillRect/>
+          </a:stretch>
+        </p:blipFill>
+        <p:spPr>
+          <a:xfrm>
+            <a:off x="3389451" y="3570579"/>
+            <a:ext cx="518984" cy="518984"/>
+          </a:xfrm>
+          <a:prstGeom prst="rect">
+            <a:avLst/>
+          </a:prstGeom>
+        </p:spPr>
+      </p:pic>
+      <p:pic>
+        <p:nvPicPr>
+          <p:cNvPr id="19" name="Picture 18" descr="A black background with a black square&#10;&#10;Description automatically generated with medium confidence">
+            <a:extLst>
+              <a:ext uri="{FF2B5EF4-FFF2-40B4-BE49-F238E27FC236}">
+                <a16:creationId xmlns:a16="http://schemas.microsoft.com/office/drawing/2014/main" id="{6F683C71-7718-D692-9C08-A2F121404239}"/>
+              </a:ext>
+            </a:extLst>
+          </p:cNvPr>
+          <p:cNvPicPr>
+            <a:picLocks noChangeAspect="1"/>
+          </p:cNvPicPr>
+          <p:nvPr/>
+        </p:nvPicPr>
+        <p:blipFill>
+          <a:blip r:embed="rId4"/>
+          <a:stretch>
+            <a:fillRect/>
+          </a:stretch>
+        </p:blipFill>
+        <p:spPr>
+          <a:xfrm>
+            <a:off x="4084504" y="4333610"/>
+            <a:ext cx="521730" cy="521730"/>
+          </a:xfrm>
+          <a:prstGeom prst="rect">
+            <a:avLst/>
+          </a:prstGeom>
+        </p:spPr>
+      </p:pic>
+      <p:pic>
+        <p:nvPicPr>
+          <p:cNvPr id="20" name="Picture 19" descr="A black background with a black square&#10;&#10;Description automatically generated with medium confidence">
+            <a:extLst>
+              <a:ext uri="{FF2B5EF4-FFF2-40B4-BE49-F238E27FC236}">
+                <a16:creationId xmlns:a16="http://schemas.microsoft.com/office/drawing/2014/main" id="{F66D2FA9-79C3-F9EE-D16A-0115C96FB9BA}"/>
+              </a:ext>
+            </a:extLst>
+          </p:cNvPr>
+          <p:cNvPicPr>
+            <a:picLocks noChangeAspect="1"/>
+          </p:cNvPicPr>
+          <p:nvPr/>
+        </p:nvPicPr>
+        <p:blipFill>
+          <a:blip r:embed="rId4"/>
+          <a:stretch>
+            <a:fillRect/>
+          </a:stretch>
+        </p:blipFill>
+        <p:spPr>
+          <a:xfrm>
+            <a:off x="7043142" y="4317910"/>
+            <a:ext cx="521730" cy="521730"/>
+          </a:xfrm>
+          <a:prstGeom prst="rect">
+            <a:avLst/>
+          </a:prstGeom>
+        </p:spPr>
+      </p:pic>
+      <p:pic>
+        <p:nvPicPr>
+          <p:cNvPr id="21" name="Picture 20" descr="A black background with a black square&#10;&#10;Description automatically generated with medium confidence">
+            <a:extLst>
+              <a:ext uri="{FF2B5EF4-FFF2-40B4-BE49-F238E27FC236}">
+                <a16:creationId xmlns:a16="http://schemas.microsoft.com/office/drawing/2014/main" id="{0D69A6CC-014A-841C-B8CF-16BDDC644DB9}"/>
+              </a:ext>
+            </a:extLst>
+          </p:cNvPr>
+          <p:cNvPicPr>
+            <a:picLocks noChangeAspect="1"/>
+          </p:cNvPicPr>
+          <p:nvPr/>
+        </p:nvPicPr>
+        <p:blipFill>
+          <a:blip r:embed="rId4"/>
+          <a:stretch>
+            <a:fillRect/>
+          </a:stretch>
+        </p:blipFill>
+        <p:spPr>
+          <a:xfrm>
+            <a:off x="8265266" y="4307105"/>
+            <a:ext cx="521730" cy="521730"/>
+          </a:xfrm>
+          <a:prstGeom prst="rect">
+            <a:avLst/>
+          </a:prstGeom>
+        </p:spPr>
+      </p:pic>
+      <p:pic>
+        <p:nvPicPr>
+          <p:cNvPr id="22" name="Picture 21" descr="A black background with a black square&#10;&#10;Description automatically generated with medium confidence">
+            <a:extLst>
+              <a:ext uri="{FF2B5EF4-FFF2-40B4-BE49-F238E27FC236}">
+                <a16:creationId xmlns:a16="http://schemas.microsoft.com/office/drawing/2014/main" id="{8E251DBF-ABDB-CF5E-6AF4-9116690E1191}"/>
+              </a:ext>
+            </a:extLst>
+          </p:cNvPr>
+          <p:cNvPicPr>
+            <a:picLocks noChangeAspect="1"/>
+          </p:cNvPicPr>
+          <p:nvPr/>
+        </p:nvPicPr>
+        <p:blipFill>
+          <a:blip r:embed="rId4"/>
+          <a:stretch>
+            <a:fillRect/>
+          </a:stretch>
+        </p:blipFill>
+        <p:spPr>
+          <a:xfrm>
+            <a:off x="5479458" y="931860"/>
+            <a:ext cx="521730" cy="521730"/>
+          </a:xfrm>
+          <a:prstGeom prst="rect">
+            <a:avLst/>
+          </a:prstGeom>
+        </p:spPr>
+      </p:pic>
+      <p:grpSp>
+        <p:nvGrpSpPr>
+          <p:cNvPr id="30" name="Group 29">
+            <a:extLst>
+              <a:ext uri="{FF2B5EF4-FFF2-40B4-BE49-F238E27FC236}">
+                <a16:creationId xmlns:a16="http://schemas.microsoft.com/office/drawing/2014/main" id="{D64E4B06-E8E6-E0ED-68DE-A0041CC4AA34}"/>
+              </a:ext>
+            </a:extLst>
+          </p:cNvPr>
+          <p:cNvGrpSpPr/>
+          <p:nvPr/>
+        </p:nvGrpSpPr>
+        <p:grpSpPr>
+          <a:xfrm>
+            <a:off x="6558718" y="2817490"/>
+            <a:ext cx="376704" cy="376704"/>
+            <a:chOff x="9527059" y="1453590"/>
+            <a:chExt cx="1587062" cy="1587062"/>
+          </a:xfrm>
+        </p:grpSpPr>
+        <p:sp>
+          <p:nvSpPr>
+            <p:cNvPr id="24" name="Oval 23">
+              <a:extLst>
+                <a:ext uri="{FF2B5EF4-FFF2-40B4-BE49-F238E27FC236}">
+                  <a16:creationId xmlns:a16="http://schemas.microsoft.com/office/drawing/2014/main" id="{27CACB32-3403-00D3-68C7-A01EF1DCA28B}"/>
+                </a:ext>
+              </a:extLst>
+            </p:cNvPr>
+            <p:cNvSpPr/>
+            <p:nvPr/>
+          </p:nvSpPr>
+          <p:spPr>
+            <a:xfrm>
+              <a:off x="9527059" y="1453590"/>
+              <a:ext cx="1587062" cy="1587062"/>
+            </a:xfrm>
+            <a:prstGeom prst="ellipse">
+              <a:avLst/>
+            </a:prstGeom>
+            <a:solidFill>
+              <a:schemeClr val="bg1"/>
+            </a:solidFill>
+            <a:ln w="38100"/>
+          </p:spPr>
+          <p:style>
+            <a:lnRef idx="2">
+              <a:schemeClr val="accent1">
+                <a:shade val="15000"/>
+              </a:schemeClr>
+            </a:lnRef>
+            <a:fillRef idx="1">
+              <a:schemeClr val="accent1"/>
+            </a:fillRef>
+            <a:effectRef idx="0">
+              <a:schemeClr val="accent1"/>
+            </a:effectRef>
+            <a:fontRef idx="minor">
+              <a:schemeClr val="lt1"/>
+            </a:fontRef>
+          </p:style>
+          <p:txBody>
+            <a:bodyPr rtlCol="0" anchor="ctr"/>
+            <a:lstStyle/>
+            <a:p>
+              <a:pPr algn="ctr"/>
+              <a:endParaRPr lang="en-US"/>
+            </a:p>
+          </p:txBody>
+        </p:sp>
+        <p:sp>
+          <p:nvSpPr>
+            <p:cNvPr id="25" name="Right Arrow 24">
+              <a:extLst>
+                <a:ext uri="{FF2B5EF4-FFF2-40B4-BE49-F238E27FC236}">
+                  <a16:creationId xmlns:a16="http://schemas.microsoft.com/office/drawing/2014/main" id="{5BC9597E-78BD-9A61-C706-CDB089422E95}"/>
+                </a:ext>
+              </a:extLst>
+            </p:cNvPr>
+            <p:cNvSpPr/>
+            <p:nvPr/>
+          </p:nvSpPr>
+          <p:spPr>
+            <a:xfrm>
+              <a:off x="9594603" y="2095446"/>
+              <a:ext cx="521730" cy="347323"/>
+            </a:xfrm>
+            <a:prstGeom prst="rightArrow">
+              <a:avLst/>
+            </a:prstGeom>
+            <a:solidFill>
+              <a:schemeClr val="tx1"/>
+            </a:solidFill>
+          </p:spPr>
+          <p:style>
+            <a:lnRef idx="2">
+              <a:schemeClr val="accent1">
+                <a:shade val="15000"/>
+              </a:schemeClr>
+            </a:lnRef>
+            <a:fillRef idx="1">
+              <a:schemeClr val="accent1"/>
+            </a:fillRef>
+            <a:effectRef idx="0">
+              <a:schemeClr val="accent1"/>
+            </a:effectRef>
+            <a:fontRef idx="minor">
+              <a:schemeClr val="lt1"/>
+            </a:fontRef>
+          </p:style>
+          <p:txBody>
+            <a:bodyPr rtlCol="0" anchor="ctr"/>
+            <a:lstStyle/>
+            <a:p>
+              <a:pPr algn="ctr"/>
+              <a:endParaRPr lang="en-US"/>
+            </a:p>
+          </p:txBody>
+        </p:sp>
+        <p:sp>
+          <p:nvSpPr>
+            <p:cNvPr id="26" name="Right Arrow 25">
+              <a:extLst>
+                <a:ext uri="{FF2B5EF4-FFF2-40B4-BE49-F238E27FC236}">
+                  <a16:creationId xmlns:a16="http://schemas.microsoft.com/office/drawing/2014/main" id="{6253A6B9-545D-8C8E-770D-1368E315983B}"/>
+                </a:ext>
+              </a:extLst>
+            </p:cNvPr>
+            <p:cNvSpPr/>
+            <p:nvPr/>
+          </p:nvSpPr>
+          <p:spPr>
+            <a:xfrm rot="10800000">
+              <a:off x="10529331" y="2095446"/>
+              <a:ext cx="521730" cy="347323"/>
+            </a:xfrm>
+            <a:prstGeom prst="rightArrow">
+              <a:avLst/>
+            </a:prstGeom>
+            <a:solidFill>
+              <a:schemeClr val="tx1"/>
+            </a:solidFill>
+          </p:spPr>
+          <p:style>
+            <a:lnRef idx="2">
+              <a:schemeClr val="accent1">
+                <a:shade val="15000"/>
+              </a:schemeClr>
+            </a:lnRef>
+            <a:fillRef idx="1">
+              <a:schemeClr val="accent1"/>
+            </a:fillRef>
+            <a:effectRef idx="0">
+              <a:schemeClr val="accent1"/>
+            </a:effectRef>
+            <a:fontRef idx="minor">
+              <a:schemeClr val="lt1"/>
+            </a:fontRef>
+          </p:style>
+          <p:txBody>
+            <a:bodyPr rtlCol="0" anchor="ctr"/>
+            <a:lstStyle/>
+            <a:p>
+              <a:pPr algn="ctr"/>
+              <a:endParaRPr lang="en-US"/>
+            </a:p>
+          </p:txBody>
+        </p:sp>
+        <p:grpSp>
+          <p:nvGrpSpPr>
+            <p:cNvPr id="29" name="Group 28">
+              <a:extLst>
+                <a:ext uri="{FF2B5EF4-FFF2-40B4-BE49-F238E27FC236}">
+                  <a16:creationId xmlns:a16="http://schemas.microsoft.com/office/drawing/2014/main" id="{90AFCAE4-5F73-D7A0-A882-7D93B5EECF07}"/>
+                </a:ext>
+              </a:extLst>
+            </p:cNvPr>
+            <p:cNvGrpSpPr/>
+            <p:nvPr/>
+          </p:nvGrpSpPr>
+          <p:grpSpPr>
+            <a:xfrm rot="5400000">
+              <a:off x="9594602" y="2070732"/>
+              <a:ext cx="1456458" cy="347323"/>
+              <a:chOff x="9747003" y="2247846"/>
+              <a:chExt cx="1456458" cy="347323"/>
+            </a:xfrm>
+          </p:grpSpPr>
+          <p:sp>
+            <p:nvSpPr>
+              <p:cNvPr id="27" name="Right Arrow 26">
+                <a:extLst>
+                  <a:ext uri="{FF2B5EF4-FFF2-40B4-BE49-F238E27FC236}">
+                    <a16:creationId xmlns:a16="http://schemas.microsoft.com/office/drawing/2014/main" id="{A1CF74E1-5038-A209-60F7-20BD8B098E78}"/>
+                  </a:ext>
+                </a:extLst>
+              </p:cNvPr>
+              <p:cNvSpPr/>
+              <p:nvPr/>
+            </p:nvSpPr>
+            <p:spPr>
+              <a:xfrm>
+                <a:off x="9747003" y="2247846"/>
+                <a:ext cx="521730" cy="347323"/>
+              </a:xfrm>
+              <a:prstGeom prst="rightArrow">
+                <a:avLst/>
+              </a:prstGeom>
+              <a:solidFill>
+                <a:schemeClr val="tx1"/>
+              </a:solidFill>
+            </p:spPr>
+            <p:style>
+              <a:lnRef idx="2">
+                <a:schemeClr val="accent1">
+                  <a:shade val="15000"/>
+                </a:schemeClr>
+              </a:lnRef>
+              <a:fillRef idx="1">
+                <a:schemeClr val="accent1"/>
+              </a:fillRef>
+              <a:effectRef idx="0">
+                <a:schemeClr val="accent1"/>
+              </a:effectRef>
+              <a:fontRef idx="minor">
+                <a:schemeClr val="lt1"/>
+              </a:fontRef>
+            </p:style>
+            <p:txBody>
+              <a:bodyPr rtlCol="0" anchor="ctr"/>
+              <a:lstStyle/>
+              <a:p>
+                <a:pPr algn="ctr"/>
+                <a:endParaRPr lang="en-US"/>
+              </a:p>
+            </p:txBody>
+          </p:sp>
+          <p:sp>
+            <p:nvSpPr>
+              <p:cNvPr id="28" name="Right Arrow 27">
+                <a:extLst>
+                  <a:ext uri="{FF2B5EF4-FFF2-40B4-BE49-F238E27FC236}">
+                    <a16:creationId xmlns:a16="http://schemas.microsoft.com/office/drawing/2014/main" id="{2E02900C-DAD1-9430-E41C-6FCE93D428D4}"/>
+                  </a:ext>
+                </a:extLst>
+              </p:cNvPr>
+              <p:cNvSpPr/>
+              <p:nvPr/>
+            </p:nvSpPr>
+            <p:spPr>
+              <a:xfrm rot="10800000">
+                <a:off x="10681731" y="2247846"/>
+                <a:ext cx="521730" cy="347323"/>
+              </a:xfrm>
+              <a:prstGeom prst="rightArrow">
+                <a:avLst/>
+              </a:prstGeom>
+              <a:solidFill>
+                <a:schemeClr val="tx1"/>
+              </a:solidFill>
+            </p:spPr>
+            <p:style>
+              <a:lnRef idx="2">
+                <a:schemeClr val="accent1">
+                  <a:shade val="15000"/>
+                </a:schemeClr>
+              </a:lnRef>
+              <a:fillRef idx="1">
+                <a:schemeClr val="accent1"/>
+              </a:fillRef>
+              <a:effectRef idx="0">
+                <a:schemeClr val="accent1"/>
+              </a:effectRef>
+              <a:fontRef idx="minor">
+                <a:schemeClr val="lt1"/>
+              </a:fontRef>
+            </p:style>
+            <p:txBody>
+              <a:bodyPr rtlCol="0" anchor="ctr"/>
+              <a:lstStyle/>
+              <a:p>
+                <a:pPr algn="ctr"/>
+                <a:endParaRPr lang="en-US"/>
+              </a:p>
+            </p:txBody>
+          </p:sp>
+        </p:grpSp>
+      </p:grpSp>
+      <p:grpSp>
+        <p:nvGrpSpPr>
+          <p:cNvPr id="31" name="Group 30">
+            <a:extLst>
+              <a:ext uri="{FF2B5EF4-FFF2-40B4-BE49-F238E27FC236}">
+                <a16:creationId xmlns:a16="http://schemas.microsoft.com/office/drawing/2014/main" id="{4D9D49F6-A0AA-D43E-CDD9-F4AE000CEB92}"/>
+              </a:ext>
+            </a:extLst>
+          </p:cNvPr>
+          <p:cNvGrpSpPr/>
+          <p:nvPr/>
+        </p:nvGrpSpPr>
+        <p:grpSpPr>
+          <a:xfrm>
+            <a:off x="4431604" y="2740719"/>
+            <a:ext cx="376704" cy="376704"/>
+            <a:chOff x="9527059" y="1453590"/>
+            <a:chExt cx="1587062" cy="1587062"/>
+          </a:xfrm>
+        </p:grpSpPr>
+        <p:sp>
+          <p:nvSpPr>
+            <p:cNvPr id="32" name="Oval 31">
+              <a:extLst>
+                <a:ext uri="{FF2B5EF4-FFF2-40B4-BE49-F238E27FC236}">
+                  <a16:creationId xmlns:a16="http://schemas.microsoft.com/office/drawing/2014/main" id="{F353CB17-6619-CA96-D0F7-9B84196DD3C1}"/>
+                </a:ext>
+              </a:extLst>
+            </p:cNvPr>
+            <p:cNvSpPr/>
+            <p:nvPr/>
+          </p:nvSpPr>
+          <p:spPr>
+            <a:xfrm>
+              <a:off x="9527059" y="1453590"/>
+              <a:ext cx="1587062" cy="1587062"/>
+            </a:xfrm>
+            <a:prstGeom prst="ellipse">
+              <a:avLst/>
+            </a:prstGeom>
+            <a:solidFill>
+              <a:schemeClr val="bg1"/>
+            </a:solidFill>
+            <a:ln w="38100"/>
+          </p:spPr>
+          <p:style>
+            <a:lnRef idx="2">
+              <a:schemeClr val="accent1">
+                <a:shade val="15000"/>
+              </a:schemeClr>
+            </a:lnRef>
+            <a:fillRef idx="1">
+              <a:schemeClr val="accent1"/>
+            </a:fillRef>
+            <a:effectRef idx="0">
+              <a:schemeClr val="accent1"/>
+            </a:effectRef>
+            <a:fontRef idx="minor">
+              <a:schemeClr val="lt1"/>
+            </a:fontRef>
+          </p:style>
+          <p:txBody>
+            <a:bodyPr rtlCol="0" anchor="ctr"/>
+            <a:lstStyle/>
+            <a:p>
+              <a:pPr algn="ctr"/>
+              <a:endParaRPr lang="en-US"/>
+            </a:p>
+          </p:txBody>
+        </p:sp>
+        <p:sp>
+          <p:nvSpPr>
+            <p:cNvPr id="33" name="Right Arrow 32">
+              <a:extLst>
+                <a:ext uri="{FF2B5EF4-FFF2-40B4-BE49-F238E27FC236}">
+                  <a16:creationId xmlns:a16="http://schemas.microsoft.com/office/drawing/2014/main" id="{6F16CFA9-2C83-2BD3-459B-ED8AD18D68A7}"/>
+                </a:ext>
+              </a:extLst>
+            </p:cNvPr>
+            <p:cNvSpPr/>
+            <p:nvPr/>
+          </p:nvSpPr>
+          <p:spPr>
+            <a:xfrm>
+              <a:off x="9594603" y="2095446"/>
+              <a:ext cx="521730" cy="347323"/>
+            </a:xfrm>
+            <a:prstGeom prst="rightArrow">
+              <a:avLst/>
+            </a:prstGeom>
+            <a:solidFill>
+              <a:schemeClr val="tx1"/>
+            </a:solidFill>
+          </p:spPr>
+          <p:style>
+            <a:lnRef idx="2">
+              <a:schemeClr val="accent1">
+                <a:shade val="15000"/>
+              </a:schemeClr>
+            </a:lnRef>
+            <a:fillRef idx="1">
+              <a:schemeClr val="accent1"/>
+            </a:fillRef>
+            <a:effectRef idx="0">
+              <a:schemeClr val="accent1"/>
+            </a:effectRef>
+            <a:fontRef idx="minor">
+              <a:schemeClr val="lt1"/>
+            </a:fontRef>
+          </p:style>
+          <p:txBody>
+            <a:bodyPr rtlCol="0" anchor="ctr"/>
+            <a:lstStyle/>
+            <a:p>
+              <a:pPr algn="ctr"/>
+              <a:endParaRPr lang="en-US"/>
+            </a:p>
+          </p:txBody>
+        </p:sp>
+        <p:sp>
+          <p:nvSpPr>
+            <p:cNvPr id="34" name="Right Arrow 33">
+              <a:extLst>
+                <a:ext uri="{FF2B5EF4-FFF2-40B4-BE49-F238E27FC236}">
+                  <a16:creationId xmlns:a16="http://schemas.microsoft.com/office/drawing/2014/main" id="{AF29389A-68D1-A84E-A179-FC1B1AB25F1D}"/>
+                </a:ext>
+              </a:extLst>
+            </p:cNvPr>
+            <p:cNvSpPr/>
+            <p:nvPr/>
+          </p:nvSpPr>
+          <p:spPr>
+            <a:xfrm rot="10800000">
+              <a:off x="10529331" y="2095446"/>
+              <a:ext cx="521730" cy="347323"/>
+            </a:xfrm>
+            <a:prstGeom prst="rightArrow">
+              <a:avLst/>
+            </a:prstGeom>
+            <a:solidFill>
+              <a:schemeClr val="tx1"/>
+            </a:solidFill>
+          </p:spPr>
+          <p:style>
+            <a:lnRef idx="2">
+              <a:schemeClr val="accent1">
+                <a:shade val="15000"/>
+              </a:schemeClr>
+            </a:lnRef>
+            <a:fillRef idx="1">
+              <a:schemeClr val="accent1"/>
+            </a:fillRef>
+            <a:effectRef idx="0">
+              <a:schemeClr val="accent1"/>
+            </a:effectRef>
+            <a:fontRef idx="minor">
+              <a:schemeClr val="lt1"/>
+            </a:fontRef>
+          </p:style>
+          <p:txBody>
+            <a:bodyPr rtlCol="0" anchor="ctr"/>
+            <a:lstStyle/>
+            <a:p>
+              <a:pPr algn="ctr"/>
+              <a:endParaRPr lang="en-US"/>
+            </a:p>
+          </p:txBody>
+        </p:sp>
+        <p:grpSp>
+          <p:nvGrpSpPr>
+            <p:cNvPr id="35" name="Group 34">
+              <a:extLst>
+                <a:ext uri="{FF2B5EF4-FFF2-40B4-BE49-F238E27FC236}">
+                  <a16:creationId xmlns:a16="http://schemas.microsoft.com/office/drawing/2014/main" id="{9865F97C-0E20-ED50-2DFF-E79CF73963AF}"/>
+                </a:ext>
+              </a:extLst>
+            </p:cNvPr>
+            <p:cNvGrpSpPr/>
+            <p:nvPr/>
+          </p:nvGrpSpPr>
+          <p:grpSpPr>
+            <a:xfrm rot="5400000">
+              <a:off x="9594602" y="2070732"/>
+              <a:ext cx="1456458" cy="347323"/>
+              <a:chOff x="9747003" y="2247846"/>
+              <a:chExt cx="1456458" cy="347323"/>
+            </a:xfrm>
+          </p:grpSpPr>
+          <p:sp>
+            <p:nvSpPr>
+              <p:cNvPr id="36" name="Right Arrow 35">
+                <a:extLst>
+                  <a:ext uri="{FF2B5EF4-FFF2-40B4-BE49-F238E27FC236}">
+                    <a16:creationId xmlns:a16="http://schemas.microsoft.com/office/drawing/2014/main" id="{7B68009B-94BF-2C53-42DB-BDB7BE1D48B4}"/>
+                  </a:ext>
+                </a:extLst>
+              </p:cNvPr>
+              <p:cNvSpPr/>
+              <p:nvPr/>
+            </p:nvSpPr>
+            <p:spPr>
+              <a:xfrm>
+                <a:off x="9747003" y="2247846"/>
+                <a:ext cx="521730" cy="347323"/>
+              </a:xfrm>
+              <a:prstGeom prst="rightArrow">
+                <a:avLst/>
+              </a:prstGeom>
+              <a:solidFill>
+                <a:schemeClr val="tx1"/>
+              </a:solidFill>
+            </p:spPr>
+            <p:style>
+              <a:lnRef idx="2">
+                <a:schemeClr val="accent1">
+                  <a:shade val="15000"/>
+                </a:schemeClr>
+              </a:lnRef>
+              <a:fillRef idx="1">
+                <a:schemeClr val="accent1"/>
+              </a:fillRef>
+              <a:effectRef idx="0">
+                <a:schemeClr val="accent1"/>
+              </a:effectRef>
+              <a:fontRef idx="minor">
+                <a:schemeClr val="lt1"/>
+              </a:fontRef>
+            </p:style>
+            <p:txBody>
+              <a:bodyPr rtlCol="0" anchor="ctr"/>
+              <a:lstStyle/>
+              <a:p>
+                <a:pPr algn="ctr"/>
+                <a:endParaRPr lang="en-US"/>
+              </a:p>
+            </p:txBody>
+          </p:sp>
+          <p:sp>
+            <p:nvSpPr>
+              <p:cNvPr id="37" name="Right Arrow 36">
+                <a:extLst>
+                  <a:ext uri="{FF2B5EF4-FFF2-40B4-BE49-F238E27FC236}">
+                    <a16:creationId xmlns:a16="http://schemas.microsoft.com/office/drawing/2014/main" id="{EBB9761B-5505-B914-0404-52C0BA9C1E02}"/>
+                  </a:ext>
+                </a:extLst>
+              </p:cNvPr>
+              <p:cNvSpPr/>
+              <p:nvPr/>
+            </p:nvSpPr>
+            <p:spPr>
+              <a:xfrm rot="10800000">
+                <a:off x="10681731" y="2247846"/>
+                <a:ext cx="521730" cy="347323"/>
+              </a:xfrm>
+              <a:prstGeom prst="rightArrow">
+                <a:avLst/>
+              </a:prstGeom>
+              <a:solidFill>
+                <a:schemeClr val="tx1"/>
+              </a:solidFill>
+            </p:spPr>
+            <p:style>
+              <a:lnRef idx="2">
+                <a:schemeClr val="accent1">
+                  <a:shade val="15000"/>
+                </a:schemeClr>
+              </a:lnRef>
+              <a:fillRef idx="1">
+                <a:schemeClr val="accent1"/>
+              </a:fillRef>
+              <a:effectRef idx="0">
+                <a:schemeClr val="accent1"/>
+              </a:effectRef>
+              <a:fontRef idx="minor">
+                <a:schemeClr val="lt1"/>
+              </a:fontRef>
+            </p:style>
+            <p:txBody>
+              <a:bodyPr rtlCol="0" anchor="ctr"/>
+              <a:lstStyle/>
+              <a:p>
+                <a:pPr algn="ctr"/>
+                <a:endParaRPr lang="en-US"/>
+              </a:p>
+            </p:txBody>
+          </p:sp>
+        </p:grpSp>
+      </p:grpSp>
+      <p:cxnSp>
+        <p:nvCxnSpPr>
+          <p:cNvPr id="39" name="Straight Connector 38">
+            <a:extLst>
+              <a:ext uri="{FF2B5EF4-FFF2-40B4-BE49-F238E27FC236}">
+                <a16:creationId xmlns:a16="http://schemas.microsoft.com/office/drawing/2014/main" id="{A3D90256-350E-DCBB-AFF6-B363D0ACA05F}"/>
+              </a:ext>
+            </a:extLst>
+          </p:cNvPr>
+          <p:cNvCxnSpPr>
+            <a:stCxn id="17" idx="0"/>
+            <a:endCxn id="18" idx="1"/>
+          </p:cNvCxnSpPr>
+          <p:nvPr/>
+        </p:nvCxnSpPr>
+        <p:spPr>
+          <a:xfrm flipV="1">
+            <a:off x="2947176" y="3830071"/>
+            <a:ext cx="442275" cy="503539"/>
+          </a:xfrm>
+          <a:prstGeom prst="line">
+            <a:avLst/>
+          </a:prstGeom>
+          <a:ln w="25400">
+            <a:solidFill>
+              <a:schemeClr val="tx1"/>
+            </a:solidFill>
+          </a:ln>
+        </p:spPr>
+        <p:style>
+          <a:lnRef idx="2">
+            <a:schemeClr val="accent1"/>
+          </a:lnRef>
+          <a:fillRef idx="0">
+            <a:schemeClr val="accent1"/>
+          </a:fillRef>
+          <a:effectRef idx="1">
+            <a:schemeClr val="accent1"/>
+          </a:effectRef>
+          <a:fontRef idx="minor">
+            <a:schemeClr val="tx1"/>
+          </a:fontRef>
+        </p:style>
+      </p:cxnSp>
+      <p:cxnSp>
+        <p:nvCxnSpPr>
+          <p:cNvPr id="40" name="Straight Connector 39">
+            <a:extLst>
+              <a:ext uri="{FF2B5EF4-FFF2-40B4-BE49-F238E27FC236}">
+                <a16:creationId xmlns:a16="http://schemas.microsoft.com/office/drawing/2014/main" id="{E21098EA-E569-82D3-0A86-2C64FD818E4D}"/>
+              </a:ext>
+            </a:extLst>
+          </p:cNvPr>
+          <p:cNvCxnSpPr>
+            <a:cxnSpLocks/>
+          </p:cNvCxnSpPr>
+          <p:nvPr/>
+        </p:nvCxnSpPr>
+        <p:spPr>
+          <a:xfrm flipH="1" flipV="1">
+            <a:off x="3903094" y="3837793"/>
+            <a:ext cx="442275" cy="503539"/>
+          </a:xfrm>
+          <a:prstGeom prst="line">
+            <a:avLst/>
+          </a:prstGeom>
+          <a:ln w="25400">
+            <a:solidFill>
+              <a:schemeClr val="tx1"/>
+            </a:solidFill>
+          </a:ln>
+        </p:spPr>
+        <p:style>
+          <a:lnRef idx="2">
+            <a:schemeClr val="accent1"/>
+          </a:lnRef>
+          <a:fillRef idx="0">
+            <a:schemeClr val="accent1"/>
+          </a:fillRef>
+          <a:effectRef idx="1">
+            <a:schemeClr val="accent1"/>
+          </a:effectRef>
+          <a:fontRef idx="minor">
+            <a:schemeClr val="tx1"/>
+          </a:fontRef>
+        </p:style>
+      </p:cxnSp>
+      <p:cxnSp>
+        <p:nvCxnSpPr>
+          <p:cNvPr id="41" name="Straight Connector 40">
+            <a:extLst>
+              <a:ext uri="{FF2B5EF4-FFF2-40B4-BE49-F238E27FC236}">
+                <a16:creationId xmlns:a16="http://schemas.microsoft.com/office/drawing/2014/main" id="{610A7DBE-016F-2609-B4B7-F15C206E6C55}"/>
+              </a:ext>
+            </a:extLst>
+          </p:cNvPr>
+          <p:cNvCxnSpPr>
+            <a:cxnSpLocks/>
+            <a:endCxn id="32" idx="3"/>
+          </p:cNvCxnSpPr>
+          <p:nvPr/>
+        </p:nvCxnSpPr>
+        <p:spPr>
+          <a:xfrm flipV="1">
+            <a:off x="3648943" y="3062256"/>
+            <a:ext cx="837828" cy="641930"/>
+          </a:xfrm>
+          <a:prstGeom prst="line">
+            <a:avLst/>
+          </a:prstGeom>
+          <a:ln w="25400">
+            <a:solidFill>
+              <a:schemeClr val="tx1"/>
+            </a:solidFill>
+          </a:ln>
+        </p:spPr>
+        <p:style>
+          <a:lnRef idx="2">
+            <a:schemeClr val="accent1"/>
+          </a:lnRef>
+          <a:fillRef idx="0">
+            <a:schemeClr val="accent1"/>
+          </a:fillRef>
+          <a:effectRef idx="1">
+            <a:schemeClr val="accent1"/>
+          </a:effectRef>
+          <a:fontRef idx="minor">
+            <a:schemeClr val="tx1"/>
+          </a:fontRef>
+        </p:style>
+      </p:cxnSp>
+      <p:cxnSp>
+        <p:nvCxnSpPr>
+          <p:cNvPr id="43" name="Straight Connector 42">
+            <a:extLst>
+              <a:ext uri="{FF2B5EF4-FFF2-40B4-BE49-F238E27FC236}">
+                <a16:creationId xmlns:a16="http://schemas.microsoft.com/office/drawing/2014/main" id="{F32D1961-D3C3-C84D-FC02-C25C03C25022}"/>
+              </a:ext>
+            </a:extLst>
+          </p:cNvPr>
+          <p:cNvCxnSpPr>
+            <a:cxnSpLocks/>
+            <a:endCxn id="5" idx="1"/>
+          </p:cNvCxnSpPr>
+          <p:nvPr/>
+        </p:nvCxnSpPr>
+        <p:spPr>
+          <a:xfrm flipV="1">
+            <a:off x="4792214" y="2403144"/>
+            <a:ext cx="689990" cy="413656"/>
+          </a:xfrm>
+          <a:prstGeom prst="line">
+            <a:avLst/>
+          </a:prstGeom>
+          <a:ln w="25400">
+            <a:solidFill>
+              <a:schemeClr val="tx1"/>
+            </a:solidFill>
+          </a:ln>
+        </p:spPr>
+        <p:style>
+          <a:lnRef idx="2">
+            <a:schemeClr val="accent1"/>
+          </a:lnRef>
+          <a:fillRef idx="0">
+            <a:schemeClr val="accent1"/>
+          </a:fillRef>
+          <a:effectRef idx="1">
+            <a:schemeClr val="accent1"/>
+          </a:effectRef>
+          <a:fontRef idx="minor">
+            <a:schemeClr val="tx1"/>
+          </a:fontRef>
+        </p:style>
+      </p:cxnSp>
+      <p:cxnSp>
+        <p:nvCxnSpPr>
+          <p:cNvPr id="45" name="Straight Connector 44">
+            <a:extLst>
+              <a:ext uri="{FF2B5EF4-FFF2-40B4-BE49-F238E27FC236}">
+                <a16:creationId xmlns:a16="http://schemas.microsoft.com/office/drawing/2014/main" id="{F9BAB3E9-B84E-E4F5-86B3-241A1360C9BC}"/>
+              </a:ext>
+            </a:extLst>
+          </p:cNvPr>
+          <p:cNvCxnSpPr>
+            <a:cxnSpLocks/>
+          </p:cNvCxnSpPr>
+          <p:nvPr/>
+        </p:nvCxnSpPr>
+        <p:spPr>
+          <a:xfrm flipH="1" flipV="1">
+            <a:off x="6007624" y="2403144"/>
+            <a:ext cx="689990" cy="413656"/>
+          </a:xfrm>
+          <a:prstGeom prst="line">
+            <a:avLst/>
+          </a:prstGeom>
+          <a:ln w="25400">
+            <a:solidFill>
+              <a:schemeClr val="tx1"/>
+            </a:solidFill>
+          </a:ln>
+        </p:spPr>
+        <p:style>
+          <a:lnRef idx="2">
+            <a:schemeClr val="accent1"/>
+          </a:lnRef>
+          <a:fillRef idx="0">
+            <a:schemeClr val="accent1"/>
+          </a:fillRef>
+          <a:effectRef idx="1">
+            <a:schemeClr val="accent1"/>
+          </a:effectRef>
+          <a:fontRef idx="minor">
+            <a:schemeClr val="tx1"/>
+          </a:fontRef>
+        </p:style>
+      </p:cxnSp>
+      <p:cxnSp>
+        <p:nvCxnSpPr>
+          <p:cNvPr id="46" name="Straight Connector 45">
+            <a:extLst>
+              <a:ext uri="{FF2B5EF4-FFF2-40B4-BE49-F238E27FC236}">
+                <a16:creationId xmlns:a16="http://schemas.microsoft.com/office/drawing/2014/main" id="{C80FACB1-33E4-6742-00BD-9756424E76B9}"/>
+              </a:ext>
+            </a:extLst>
+          </p:cNvPr>
+          <p:cNvCxnSpPr>
+            <a:cxnSpLocks/>
+            <a:endCxn id="22" idx="2"/>
+          </p:cNvCxnSpPr>
+          <p:nvPr/>
+        </p:nvCxnSpPr>
+        <p:spPr>
+          <a:xfrm flipV="1">
+            <a:off x="5736281" y="1453590"/>
+            <a:ext cx="4042" cy="823670"/>
+          </a:xfrm>
+          <a:prstGeom prst="line">
+            <a:avLst/>
+          </a:prstGeom>
+          <a:ln w="25400">
+            <a:solidFill>
+              <a:schemeClr val="tx1"/>
+            </a:solidFill>
+          </a:ln>
+        </p:spPr>
+        <p:style>
+          <a:lnRef idx="2">
+            <a:schemeClr val="accent1"/>
+          </a:lnRef>
+          <a:fillRef idx="0">
+            <a:schemeClr val="accent1"/>
+          </a:fillRef>
+          <a:effectRef idx="1">
+            <a:schemeClr val="accent1"/>
+          </a:effectRef>
+          <a:fontRef idx="minor">
+            <a:schemeClr val="tx1"/>
+          </a:fontRef>
+        </p:style>
+      </p:cxnSp>
+      <p:cxnSp>
+        <p:nvCxnSpPr>
+          <p:cNvPr id="48" name="Straight Connector 47">
+            <a:extLst>
+              <a:ext uri="{FF2B5EF4-FFF2-40B4-BE49-F238E27FC236}">
+                <a16:creationId xmlns:a16="http://schemas.microsoft.com/office/drawing/2014/main" id="{E91D3349-2E76-CE76-E31C-C191B238DF12}"/>
+              </a:ext>
+            </a:extLst>
+          </p:cNvPr>
+          <p:cNvCxnSpPr>
+            <a:cxnSpLocks/>
+            <a:stCxn id="3" idx="1"/>
+          </p:cNvCxnSpPr>
+          <p:nvPr/>
+        </p:nvCxnSpPr>
+        <p:spPr>
+          <a:xfrm flipH="1" flipV="1">
+            <a:off x="6850492" y="3148998"/>
+            <a:ext cx="782670" cy="729470"/>
+          </a:xfrm>
+          <a:prstGeom prst="line">
+            <a:avLst/>
+          </a:prstGeom>
+          <a:ln w="25400">
+            <a:solidFill>
+              <a:schemeClr val="tx1"/>
+            </a:solidFill>
+          </a:ln>
+        </p:spPr>
+        <p:style>
+          <a:lnRef idx="2">
+            <a:schemeClr val="accent1"/>
+          </a:lnRef>
+          <a:fillRef idx="0">
+            <a:schemeClr val="accent1"/>
+          </a:fillRef>
+          <a:effectRef idx="1">
+            <a:schemeClr val="accent1"/>
+          </a:effectRef>
+          <a:fontRef idx="minor">
+            <a:schemeClr val="tx1"/>
+          </a:fontRef>
+        </p:style>
+      </p:cxnSp>
+      <p:sp>
+        <p:nvSpPr>
+          <p:cNvPr id="50" name="TextBox 49">
+            <a:extLst>
+              <a:ext uri="{FF2B5EF4-FFF2-40B4-BE49-F238E27FC236}">
+                <a16:creationId xmlns:a16="http://schemas.microsoft.com/office/drawing/2014/main" id="{3BD770F2-6252-B257-B90A-9BD948F994D0}"/>
+              </a:ext>
+            </a:extLst>
+          </p:cNvPr>
+          <p:cNvSpPr txBox="1"/>
+          <p:nvPr/>
+        </p:nvSpPr>
+        <p:spPr>
+          <a:xfrm>
+            <a:off x="2705302" y="3073832"/>
+            <a:ext cx="853182" cy="369332"/>
+          </a:xfrm>
+          <a:prstGeom prst="rect">
+            <a:avLst/>
+          </a:prstGeom>
+          <a:noFill/>
+        </p:spPr>
+        <p:txBody>
+          <a:bodyPr wrap="none" rtlCol="0">
+            <a:spAutoFit/>
+          </a:bodyPr>
+          <a:lstStyle/>
+          <a:p>
+            <a:r>
+              <a:rPr lang="en-US" dirty="0"/>
+              <a:t>srcNet</a:t>
+            </a:r>
+          </a:p>
+        </p:txBody>
+      </p:sp>
+      <p:sp>
+        <p:nvSpPr>
+          <p:cNvPr id="51" name="TextBox 50">
+            <a:extLst>
+              <a:ext uri="{FF2B5EF4-FFF2-40B4-BE49-F238E27FC236}">
+                <a16:creationId xmlns:a16="http://schemas.microsoft.com/office/drawing/2014/main" id="{2C82E400-63E3-CD2D-5903-8D680EA9344F}"/>
+              </a:ext>
+            </a:extLst>
+          </p:cNvPr>
+          <p:cNvSpPr txBox="1"/>
+          <p:nvPr/>
+        </p:nvSpPr>
+        <p:spPr>
+          <a:xfrm>
+            <a:off x="7539370" y="2929071"/>
+            <a:ext cx="861390" cy="369332"/>
+          </a:xfrm>
+          <a:prstGeom prst="rect">
+            <a:avLst/>
+          </a:prstGeom>
+          <a:noFill/>
+        </p:spPr>
+        <p:txBody>
+          <a:bodyPr wrap="none" rtlCol="0">
+            <a:spAutoFit/>
+          </a:bodyPr>
+          <a:lstStyle/>
+          <a:p>
+            <a:r>
+              <a:rPr lang="en-US" dirty="0"/>
+              <a:t>dstNet</a:t>
+            </a:r>
+          </a:p>
+        </p:txBody>
+      </p:sp>
+      <p:sp>
+        <p:nvSpPr>
+          <p:cNvPr id="52" name="TextBox 51">
+            <a:extLst>
+              <a:ext uri="{FF2B5EF4-FFF2-40B4-BE49-F238E27FC236}">
+                <a16:creationId xmlns:a16="http://schemas.microsoft.com/office/drawing/2014/main" id="{F5702EB7-083D-D18B-E025-3D87A9DFE64B}"/>
+              </a:ext>
+            </a:extLst>
+          </p:cNvPr>
+          <p:cNvSpPr txBox="1"/>
+          <p:nvPr/>
+        </p:nvSpPr>
+        <p:spPr>
+          <a:xfrm>
+            <a:off x="4606234" y="1606278"/>
+            <a:ext cx="827471" cy="369332"/>
+          </a:xfrm>
+          <a:prstGeom prst="rect">
+            <a:avLst/>
+          </a:prstGeom>
+          <a:noFill/>
+        </p:spPr>
+        <p:txBody>
+          <a:bodyPr wrap="none" rtlCol="0">
+            <a:spAutoFit/>
+          </a:bodyPr>
+          <a:lstStyle/>
+          <a:p>
+            <a:r>
+              <a:rPr lang="en-US" dirty="0"/>
+              <a:t>viaNet</a:t>
+            </a:r>
+          </a:p>
+        </p:txBody>
+      </p:sp>
+      <p:grpSp>
+        <p:nvGrpSpPr>
+          <p:cNvPr id="53" name="Group 52">
+            <a:extLst>
+              <a:ext uri="{FF2B5EF4-FFF2-40B4-BE49-F238E27FC236}">
+                <a16:creationId xmlns:a16="http://schemas.microsoft.com/office/drawing/2014/main" id="{96AB4EAF-3B5F-448A-B555-F2295A8A8214}"/>
+              </a:ext>
+            </a:extLst>
+          </p:cNvPr>
+          <p:cNvGrpSpPr/>
+          <p:nvPr/>
+        </p:nvGrpSpPr>
+        <p:grpSpPr>
+          <a:xfrm>
+            <a:off x="2545720" y="4495498"/>
+            <a:ext cx="395416" cy="395416"/>
+            <a:chOff x="10478972" y="1276319"/>
+            <a:chExt cx="395416" cy="395416"/>
+          </a:xfrm>
+        </p:grpSpPr>
+        <p:sp>
+          <p:nvSpPr>
+            <p:cNvPr id="14" name="Oval 13">
+              <a:extLst>
+                <a:ext uri="{FF2B5EF4-FFF2-40B4-BE49-F238E27FC236}">
+                  <a16:creationId xmlns:a16="http://schemas.microsoft.com/office/drawing/2014/main" id="{9A2DDEF5-CBEB-989F-56A7-415567923288}"/>
+                </a:ext>
+              </a:extLst>
+            </p:cNvPr>
+            <p:cNvSpPr/>
+            <p:nvPr/>
+          </p:nvSpPr>
+          <p:spPr>
+            <a:xfrm>
+              <a:off x="10478972" y="1276319"/>
+              <a:ext cx="395416" cy="395416"/>
+            </a:xfrm>
+            <a:prstGeom prst="ellipse">
+              <a:avLst/>
+            </a:prstGeom>
+            <a:solidFill>
+              <a:srgbClr val="96DCF9"/>
+            </a:solidFill>
+          </p:spPr>
+          <p:style>
+            <a:lnRef idx="2">
+              <a:schemeClr val="accent1">
+                <a:shade val="15000"/>
+              </a:schemeClr>
+            </a:lnRef>
+            <a:fillRef idx="1">
+              <a:schemeClr val="accent1"/>
+            </a:fillRef>
+            <a:effectRef idx="0">
+              <a:schemeClr val="accent1"/>
+            </a:effectRef>
+            <a:fontRef idx="minor">
+              <a:schemeClr val="lt1"/>
+            </a:fontRef>
+          </p:style>
+          <p:txBody>
+            <a:bodyPr rtlCol="0" anchor="ctr"/>
+            <a:lstStyle/>
+            <a:p>
+              <a:pPr algn="ctr"/>
+              <a:endParaRPr lang="en-US"/>
+            </a:p>
+          </p:txBody>
+        </p:sp>
+        <p:sp>
+          <p:nvSpPr>
+            <p:cNvPr id="15" name="TextBox 14">
+              <a:extLst>
+                <a:ext uri="{FF2B5EF4-FFF2-40B4-BE49-F238E27FC236}">
+                  <a16:creationId xmlns:a16="http://schemas.microsoft.com/office/drawing/2014/main" id="{5C1A392C-29C9-B22E-91CE-19FC85C2BDE6}"/>
+                </a:ext>
+              </a:extLst>
+            </p:cNvPr>
+            <p:cNvSpPr txBox="1"/>
+            <p:nvPr/>
+          </p:nvSpPr>
+          <p:spPr>
+            <a:xfrm>
+              <a:off x="10522631" y="1302403"/>
+              <a:ext cx="308098" cy="369332"/>
+            </a:xfrm>
+            <a:prstGeom prst="rect">
+              <a:avLst/>
+            </a:prstGeom>
+            <a:noFill/>
+          </p:spPr>
+          <p:txBody>
+            <a:bodyPr wrap="none" rtlCol="0">
+              <a:spAutoFit/>
+            </a:bodyPr>
+            <a:lstStyle/>
+            <a:p>
+              <a:r>
+                <a:rPr lang="en-US" dirty="0"/>
+                <a:t>1</a:t>
+              </a:r>
+            </a:p>
+          </p:txBody>
+        </p:sp>
+      </p:grpSp>
+      <p:grpSp>
+        <p:nvGrpSpPr>
+          <p:cNvPr id="54" name="Group 53">
+            <a:extLst>
+              <a:ext uri="{FF2B5EF4-FFF2-40B4-BE49-F238E27FC236}">
+                <a16:creationId xmlns:a16="http://schemas.microsoft.com/office/drawing/2014/main" id="{418B3302-876F-BD90-698B-CBCD6351BCC2}"/>
+              </a:ext>
+            </a:extLst>
+          </p:cNvPr>
+          <p:cNvGrpSpPr/>
+          <p:nvPr/>
+        </p:nvGrpSpPr>
+        <p:grpSpPr>
+          <a:xfrm>
+            <a:off x="5441445" y="1178404"/>
+            <a:ext cx="395416" cy="395416"/>
+            <a:chOff x="9910493" y="2360155"/>
+            <a:chExt cx="395416" cy="395416"/>
+          </a:xfrm>
+        </p:grpSpPr>
+        <p:sp>
+          <p:nvSpPr>
+            <p:cNvPr id="23" name="Oval 22">
+              <a:extLst>
+                <a:ext uri="{FF2B5EF4-FFF2-40B4-BE49-F238E27FC236}">
+                  <a16:creationId xmlns:a16="http://schemas.microsoft.com/office/drawing/2014/main" id="{C9EA032C-D2A3-CA10-A02A-3391EDAEC8BD}"/>
+                </a:ext>
+              </a:extLst>
+            </p:cNvPr>
+            <p:cNvSpPr/>
+            <p:nvPr/>
+          </p:nvSpPr>
+          <p:spPr>
+            <a:xfrm>
+              <a:off x="9910493" y="2360155"/>
+              <a:ext cx="395416" cy="395416"/>
+            </a:xfrm>
+            <a:prstGeom prst="ellipse">
+              <a:avLst/>
+            </a:prstGeom>
+            <a:solidFill>
+              <a:srgbClr val="96DCF9"/>
+            </a:solidFill>
+          </p:spPr>
+          <p:style>
+            <a:lnRef idx="2">
+              <a:schemeClr val="accent1">
+                <a:shade val="15000"/>
+              </a:schemeClr>
+            </a:lnRef>
+            <a:fillRef idx="1">
+              <a:schemeClr val="accent1"/>
+            </a:fillRef>
+            <a:effectRef idx="0">
+              <a:schemeClr val="accent1"/>
+            </a:effectRef>
+            <a:fontRef idx="minor">
+              <a:schemeClr val="lt1"/>
+            </a:fontRef>
+          </p:style>
+          <p:txBody>
+            <a:bodyPr rtlCol="0" anchor="ctr"/>
+            <a:lstStyle/>
+            <a:p>
+              <a:pPr algn="ctr"/>
+              <a:endParaRPr lang="en-US"/>
+            </a:p>
+          </p:txBody>
+        </p:sp>
+        <p:sp>
+          <p:nvSpPr>
+            <p:cNvPr id="38" name="TextBox 37">
+              <a:extLst>
+                <a:ext uri="{FF2B5EF4-FFF2-40B4-BE49-F238E27FC236}">
+                  <a16:creationId xmlns:a16="http://schemas.microsoft.com/office/drawing/2014/main" id="{2ACD4004-A04B-7E90-8B92-44F49667A678}"/>
+                </a:ext>
+              </a:extLst>
+            </p:cNvPr>
+            <p:cNvSpPr txBox="1"/>
+            <p:nvPr/>
+          </p:nvSpPr>
+          <p:spPr>
+            <a:xfrm>
+              <a:off x="9959234" y="2365086"/>
+              <a:ext cx="308098" cy="369332"/>
+            </a:xfrm>
+            <a:prstGeom prst="rect">
+              <a:avLst/>
+            </a:prstGeom>
+            <a:noFill/>
+          </p:spPr>
+          <p:txBody>
+            <a:bodyPr wrap="none" rtlCol="0">
+              <a:spAutoFit/>
+            </a:bodyPr>
+            <a:lstStyle/>
+            <a:p>
+              <a:r>
+                <a:rPr lang="en-US" dirty="0"/>
+                <a:t>2</a:t>
+              </a:r>
+            </a:p>
+          </p:txBody>
+        </p:sp>
+      </p:grpSp>
+      <p:grpSp>
+        <p:nvGrpSpPr>
+          <p:cNvPr id="69" name="Group 68">
+            <a:extLst>
+              <a:ext uri="{FF2B5EF4-FFF2-40B4-BE49-F238E27FC236}">
+                <a16:creationId xmlns:a16="http://schemas.microsoft.com/office/drawing/2014/main" id="{F6DDE111-8246-FC35-4C18-9971E2151469}"/>
+              </a:ext>
+            </a:extLst>
+          </p:cNvPr>
+          <p:cNvGrpSpPr/>
+          <p:nvPr/>
+        </p:nvGrpSpPr>
+        <p:grpSpPr>
+          <a:xfrm>
+            <a:off x="3005591" y="4508540"/>
+            <a:ext cx="395416" cy="395416"/>
+            <a:chOff x="7539336" y="1822347"/>
+            <a:chExt cx="395416" cy="395416"/>
+          </a:xfrm>
+        </p:grpSpPr>
+        <p:sp>
+          <p:nvSpPr>
+            <p:cNvPr id="42" name="Oval 41">
+              <a:extLst>
+                <a:ext uri="{FF2B5EF4-FFF2-40B4-BE49-F238E27FC236}">
+                  <a16:creationId xmlns:a16="http://schemas.microsoft.com/office/drawing/2014/main" id="{D034A588-CC8E-76D6-5FEB-8EB75A634362}"/>
+                </a:ext>
+              </a:extLst>
+            </p:cNvPr>
+            <p:cNvSpPr/>
+            <p:nvPr/>
+          </p:nvSpPr>
+          <p:spPr>
+            <a:xfrm>
+              <a:off x="7539336" y="1822347"/>
+              <a:ext cx="395416" cy="395416"/>
+            </a:xfrm>
+            <a:prstGeom prst="ellipse">
+              <a:avLst/>
+            </a:prstGeom>
+            <a:solidFill>
+              <a:srgbClr val="E69EDD"/>
+            </a:solidFill>
+          </p:spPr>
+          <p:style>
+            <a:lnRef idx="2">
+              <a:schemeClr val="accent1">
+                <a:shade val="15000"/>
+              </a:schemeClr>
+            </a:lnRef>
+            <a:fillRef idx="1">
+              <a:schemeClr val="accent1"/>
+            </a:fillRef>
+            <a:effectRef idx="0">
+              <a:schemeClr val="accent1"/>
+            </a:effectRef>
+            <a:fontRef idx="minor">
+              <a:schemeClr val="lt1"/>
+            </a:fontRef>
+          </p:style>
+          <p:txBody>
+            <a:bodyPr rtlCol="0" anchor="ctr"/>
+            <a:lstStyle/>
+            <a:p>
+              <a:pPr algn="ctr"/>
+              <a:endParaRPr lang="en-US"/>
+            </a:p>
+          </p:txBody>
+        </p:sp>
+        <p:sp>
+          <p:nvSpPr>
+            <p:cNvPr id="44" name="TextBox 43">
+              <a:extLst>
+                <a:ext uri="{FF2B5EF4-FFF2-40B4-BE49-F238E27FC236}">
+                  <a16:creationId xmlns:a16="http://schemas.microsoft.com/office/drawing/2014/main" id="{21A906F4-E9C6-C4F8-F285-0EA3C67432EA}"/>
+                </a:ext>
+              </a:extLst>
+            </p:cNvPr>
+            <p:cNvSpPr txBox="1"/>
+            <p:nvPr/>
+          </p:nvSpPr>
+          <p:spPr>
+            <a:xfrm>
+              <a:off x="7591029" y="1837399"/>
+              <a:ext cx="308098" cy="369332"/>
+            </a:xfrm>
+            <a:prstGeom prst="rect">
+              <a:avLst/>
+            </a:prstGeom>
+            <a:noFill/>
+          </p:spPr>
+          <p:txBody>
+            <a:bodyPr wrap="none" rtlCol="0">
+              <a:spAutoFit/>
+            </a:bodyPr>
+            <a:lstStyle/>
+            <a:p>
+              <a:r>
+                <a:rPr lang="en-US" dirty="0"/>
+                <a:t>1</a:t>
+              </a:r>
+            </a:p>
+          </p:txBody>
+        </p:sp>
+      </p:grpSp>
+      <p:grpSp>
+        <p:nvGrpSpPr>
+          <p:cNvPr id="70" name="Group 69">
+            <a:extLst>
+              <a:ext uri="{FF2B5EF4-FFF2-40B4-BE49-F238E27FC236}">
+                <a16:creationId xmlns:a16="http://schemas.microsoft.com/office/drawing/2014/main" id="{B243F088-9A2A-E025-E53A-F1C4973A6756}"/>
+              </a:ext>
+            </a:extLst>
+          </p:cNvPr>
+          <p:cNvGrpSpPr/>
+          <p:nvPr/>
+        </p:nvGrpSpPr>
+        <p:grpSpPr>
+          <a:xfrm>
+            <a:off x="4006023" y="4477349"/>
+            <a:ext cx="395416" cy="395416"/>
+            <a:chOff x="7691736" y="1129920"/>
+            <a:chExt cx="395416" cy="395416"/>
+          </a:xfrm>
+        </p:grpSpPr>
+        <p:sp>
+          <p:nvSpPr>
+            <p:cNvPr id="55" name="Oval 54">
+              <a:extLst>
+                <a:ext uri="{FF2B5EF4-FFF2-40B4-BE49-F238E27FC236}">
+                  <a16:creationId xmlns:a16="http://schemas.microsoft.com/office/drawing/2014/main" id="{FEC6D3FC-C6D8-A9E3-86DB-A3431DA44B49}"/>
+                </a:ext>
+              </a:extLst>
+            </p:cNvPr>
+            <p:cNvSpPr/>
+            <p:nvPr/>
+          </p:nvSpPr>
+          <p:spPr>
+            <a:xfrm>
+              <a:off x="7691736" y="1129920"/>
+              <a:ext cx="395416" cy="395416"/>
+            </a:xfrm>
+            <a:prstGeom prst="ellipse">
+              <a:avLst/>
+            </a:prstGeom>
+            <a:solidFill>
+              <a:srgbClr val="E69EDD"/>
+            </a:solidFill>
+          </p:spPr>
+          <p:style>
+            <a:lnRef idx="2">
+              <a:schemeClr val="accent1">
+                <a:shade val="15000"/>
+              </a:schemeClr>
+            </a:lnRef>
+            <a:fillRef idx="1">
+              <a:schemeClr val="accent1"/>
+            </a:fillRef>
+            <a:effectRef idx="0">
+              <a:schemeClr val="accent1"/>
+            </a:effectRef>
+            <a:fontRef idx="minor">
+              <a:schemeClr val="lt1"/>
+            </a:fontRef>
+          </p:style>
+          <p:txBody>
+            <a:bodyPr rtlCol="0" anchor="ctr"/>
+            <a:lstStyle/>
+            <a:p>
+              <a:pPr algn="ctr"/>
+              <a:endParaRPr lang="en-US"/>
+            </a:p>
+          </p:txBody>
+        </p:sp>
+        <p:sp>
+          <p:nvSpPr>
+            <p:cNvPr id="56" name="TextBox 55">
+              <a:extLst>
+                <a:ext uri="{FF2B5EF4-FFF2-40B4-BE49-F238E27FC236}">
+                  <a16:creationId xmlns:a16="http://schemas.microsoft.com/office/drawing/2014/main" id="{4BBDF931-CE9C-619F-1B8F-E81C5262FCB0}"/>
+                </a:ext>
+              </a:extLst>
+            </p:cNvPr>
+            <p:cNvSpPr txBox="1"/>
+            <p:nvPr/>
+          </p:nvSpPr>
+          <p:spPr>
+            <a:xfrm>
+              <a:off x="7743429" y="1144972"/>
+              <a:ext cx="308098" cy="369332"/>
+            </a:xfrm>
+            <a:prstGeom prst="rect">
+              <a:avLst/>
+            </a:prstGeom>
+            <a:noFill/>
+          </p:spPr>
+          <p:txBody>
+            <a:bodyPr wrap="none" rtlCol="0">
+              <a:spAutoFit/>
+            </a:bodyPr>
+            <a:lstStyle/>
+            <a:p>
+              <a:r>
+                <a:rPr lang="en-US" dirty="0"/>
+                <a:t>2</a:t>
+              </a:r>
+            </a:p>
+          </p:txBody>
+        </p:sp>
+      </p:grpSp>
+      <p:grpSp>
+        <p:nvGrpSpPr>
+          <p:cNvPr id="71" name="Group 70">
+            <a:extLst>
+              <a:ext uri="{FF2B5EF4-FFF2-40B4-BE49-F238E27FC236}">
+                <a16:creationId xmlns:a16="http://schemas.microsoft.com/office/drawing/2014/main" id="{A69436DE-5D40-578F-033D-171FC8E2C89C}"/>
+              </a:ext>
+            </a:extLst>
+          </p:cNvPr>
+          <p:cNvGrpSpPr/>
+          <p:nvPr/>
+        </p:nvGrpSpPr>
+        <p:grpSpPr>
+          <a:xfrm>
+            <a:off x="5855173" y="733602"/>
+            <a:ext cx="395416" cy="395416"/>
+            <a:chOff x="8248327" y="563390"/>
+            <a:chExt cx="395416" cy="395416"/>
+          </a:xfrm>
+        </p:grpSpPr>
+        <p:sp>
+          <p:nvSpPr>
+            <p:cNvPr id="57" name="Oval 56">
+              <a:extLst>
+                <a:ext uri="{FF2B5EF4-FFF2-40B4-BE49-F238E27FC236}">
+                  <a16:creationId xmlns:a16="http://schemas.microsoft.com/office/drawing/2014/main" id="{C492BF1C-CA55-5C57-1513-0ECB212A53ED}"/>
+                </a:ext>
+              </a:extLst>
+            </p:cNvPr>
+            <p:cNvSpPr/>
+            <p:nvPr/>
+          </p:nvSpPr>
+          <p:spPr>
+            <a:xfrm>
+              <a:off x="8248327" y="563390"/>
+              <a:ext cx="395416" cy="395416"/>
+            </a:xfrm>
+            <a:prstGeom prst="ellipse">
+              <a:avLst/>
+            </a:prstGeom>
+            <a:solidFill>
+              <a:srgbClr val="E69EDD"/>
+            </a:solidFill>
+          </p:spPr>
+          <p:style>
+            <a:lnRef idx="2">
+              <a:schemeClr val="accent1">
+                <a:shade val="15000"/>
+              </a:schemeClr>
+            </a:lnRef>
+            <a:fillRef idx="1">
+              <a:schemeClr val="accent1"/>
+            </a:fillRef>
+            <a:effectRef idx="0">
+              <a:schemeClr val="accent1"/>
+            </a:effectRef>
+            <a:fontRef idx="minor">
+              <a:schemeClr val="lt1"/>
+            </a:fontRef>
+          </p:style>
+          <p:txBody>
+            <a:bodyPr rtlCol="0" anchor="ctr"/>
+            <a:lstStyle/>
+            <a:p>
+              <a:pPr algn="ctr"/>
+              <a:endParaRPr lang="en-US"/>
+            </a:p>
+          </p:txBody>
+        </p:sp>
+        <p:sp>
+          <p:nvSpPr>
+            <p:cNvPr id="58" name="TextBox 57">
+              <a:extLst>
+                <a:ext uri="{FF2B5EF4-FFF2-40B4-BE49-F238E27FC236}">
+                  <a16:creationId xmlns:a16="http://schemas.microsoft.com/office/drawing/2014/main" id="{8F40FBD5-462A-A0DE-6AA4-CAE817A63E03}"/>
+                </a:ext>
+              </a:extLst>
+            </p:cNvPr>
+            <p:cNvSpPr txBox="1"/>
+            <p:nvPr/>
+          </p:nvSpPr>
+          <p:spPr>
+            <a:xfrm>
+              <a:off x="8300020" y="578442"/>
+              <a:ext cx="308098" cy="369332"/>
+            </a:xfrm>
+            <a:prstGeom prst="rect">
+              <a:avLst/>
+            </a:prstGeom>
+            <a:noFill/>
+          </p:spPr>
+          <p:txBody>
+            <a:bodyPr wrap="none" rtlCol="0">
+              <a:spAutoFit/>
+            </a:bodyPr>
+            <a:lstStyle/>
+            <a:p>
+              <a:r>
+                <a:rPr lang="en-US" dirty="0"/>
+                <a:t>3</a:t>
+              </a:r>
+            </a:p>
+          </p:txBody>
+        </p:sp>
+      </p:grpSp>
+      <p:grpSp>
+        <p:nvGrpSpPr>
+          <p:cNvPr id="72" name="Group 71">
+            <a:extLst>
+              <a:ext uri="{FF2B5EF4-FFF2-40B4-BE49-F238E27FC236}">
+                <a16:creationId xmlns:a16="http://schemas.microsoft.com/office/drawing/2014/main" id="{5779C0B1-D6AC-C4A6-07E7-58E68A82C12A}"/>
+              </a:ext>
+            </a:extLst>
+          </p:cNvPr>
+          <p:cNvGrpSpPr/>
+          <p:nvPr/>
+        </p:nvGrpSpPr>
+        <p:grpSpPr>
+          <a:xfrm>
+            <a:off x="6938468" y="4479709"/>
+            <a:ext cx="395416" cy="395416"/>
+            <a:chOff x="9106406" y="715790"/>
+            <a:chExt cx="395416" cy="395416"/>
+          </a:xfrm>
+        </p:grpSpPr>
+        <p:sp>
+          <p:nvSpPr>
+            <p:cNvPr id="59" name="Oval 58">
+              <a:extLst>
+                <a:ext uri="{FF2B5EF4-FFF2-40B4-BE49-F238E27FC236}">
+                  <a16:creationId xmlns:a16="http://schemas.microsoft.com/office/drawing/2014/main" id="{85AEFA9D-03BE-55D3-913E-6C3FF8CDA02E}"/>
+                </a:ext>
+              </a:extLst>
+            </p:cNvPr>
+            <p:cNvSpPr/>
+            <p:nvPr/>
+          </p:nvSpPr>
+          <p:spPr>
+            <a:xfrm>
+              <a:off x="9106406" y="715790"/>
+              <a:ext cx="395416" cy="395416"/>
+            </a:xfrm>
+            <a:prstGeom prst="ellipse">
+              <a:avLst/>
+            </a:prstGeom>
+            <a:solidFill>
+              <a:srgbClr val="E69EDD"/>
+            </a:solidFill>
+          </p:spPr>
+          <p:style>
+            <a:lnRef idx="2">
+              <a:schemeClr val="accent1">
+                <a:shade val="15000"/>
+              </a:schemeClr>
+            </a:lnRef>
+            <a:fillRef idx="1">
+              <a:schemeClr val="accent1"/>
+            </a:fillRef>
+            <a:effectRef idx="0">
+              <a:schemeClr val="accent1"/>
+            </a:effectRef>
+            <a:fontRef idx="minor">
+              <a:schemeClr val="lt1"/>
+            </a:fontRef>
+          </p:style>
+          <p:txBody>
+            <a:bodyPr rtlCol="0" anchor="ctr"/>
+            <a:lstStyle/>
+            <a:p>
+              <a:pPr algn="ctr"/>
+              <a:endParaRPr lang="en-US"/>
+            </a:p>
+          </p:txBody>
+        </p:sp>
+        <p:sp>
+          <p:nvSpPr>
+            <p:cNvPr id="60" name="TextBox 59">
+              <a:extLst>
+                <a:ext uri="{FF2B5EF4-FFF2-40B4-BE49-F238E27FC236}">
+                  <a16:creationId xmlns:a16="http://schemas.microsoft.com/office/drawing/2014/main" id="{7F974924-A940-EDDB-85C0-ADA25DF0CB51}"/>
+                </a:ext>
+              </a:extLst>
+            </p:cNvPr>
+            <p:cNvSpPr txBox="1"/>
+            <p:nvPr/>
+          </p:nvSpPr>
+          <p:spPr>
+            <a:xfrm>
+              <a:off x="9158099" y="730842"/>
+              <a:ext cx="308098" cy="369332"/>
+            </a:xfrm>
+            <a:prstGeom prst="rect">
+              <a:avLst/>
+            </a:prstGeom>
+            <a:noFill/>
+          </p:spPr>
+          <p:txBody>
+            <a:bodyPr wrap="none" rtlCol="0">
+              <a:spAutoFit/>
+            </a:bodyPr>
+            <a:lstStyle/>
+            <a:p>
+              <a:r>
+                <a:rPr lang="en-US" dirty="0"/>
+                <a:t>4</a:t>
+              </a:r>
+            </a:p>
+          </p:txBody>
+        </p:sp>
+      </p:grpSp>
+      <p:grpSp>
+        <p:nvGrpSpPr>
+          <p:cNvPr id="75" name="Group 74">
+            <a:extLst>
+              <a:ext uri="{FF2B5EF4-FFF2-40B4-BE49-F238E27FC236}">
+                <a16:creationId xmlns:a16="http://schemas.microsoft.com/office/drawing/2014/main" id="{7EC69434-F5AA-04B2-8839-FDEAF2FB54BB}"/>
+              </a:ext>
+            </a:extLst>
+          </p:cNvPr>
+          <p:cNvGrpSpPr/>
+          <p:nvPr/>
+        </p:nvGrpSpPr>
+        <p:grpSpPr>
+          <a:xfrm>
+            <a:off x="4422248" y="4578775"/>
+            <a:ext cx="395416" cy="395416"/>
+            <a:chOff x="8208571" y="2412068"/>
+            <a:chExt cx="395416" cy="395416"/>
+          </a:xfrm>
+        </p:grpSpPr>
+        <p:sp>
+          <p:nvSpPr>
+            <p:cNvPr id="61" name="Oval 60">
+              <a:extLst>
+                <a:ext uri="{FF2B5EF4-FFF2-40B4-BE49-F238E27FC236}">
+                  <a16:creationId xmlns:a16="http://schemas.microsoft.com/office/drawing/2014/main" id="{FA0D8E90-91CF-1F72-AC4C-46C3A6994395}"/>
+                </a:ext>
+              </a:extLst>
+            </p:cNvPr>
+            <p:cNvSpPr/>
+            <p:nvPr/>
+          </p:nvSpPr>
+          <p:spPr>
+            <a:xfrm>
+              <a:off x="8208571" y="2412068"/>
+              <a:ext cx="395416" cy="395416"/>
+            </a:xfrm>
+            <a:prstGeom prst="ellipse">
+              <a:avLst/>
+            </a:prstGeom>
+            <a:solidFill>
+              <a:srgbClr val="8ED973"/>
+            </a:solidFill>
+          </p:spPr>
+          <p:style>
+            <a:lnRef idx="2">
+              <a:schemeClr val="accent1">
+                <a:shade val="15000"/>
+              </a:schemeClr>
+            </a:lnRef>
+            <a:fillRef idx="1">
+              <a:schemeClr val="accent1"/>
+            </a:fillRef>
+            <a:effectRef idx="0">
+              <a:schemeClr val="accent1"/>
+            </a:effectRef>
+            <a:fontRef idx="minor">
+              <a:schemeClr val="lt1"/>
+            </a:fontRef>
+          </p:style>
+          <p:txBody>
+            <a:bodyPr rtlCol="0" anchor="ctr"/>
+            <a:lstStyle/>
+            <a:p>
+              <a:pPr algn="ctr"/>
+              <a:endParaRPr lang="en-US"/>
+            </a:p>
+          </p:txBody>
+        </p:sp>
+        <p:sp>
+          <p:nvSpPr>
+            <p:cNvPr id="62" name="TextBox 61">
+              <a:extLst>
+                <a:ext uri="{FF2B5EF4-FFF2-40B4-BE49-F238E27FC236}">
+                  <a16:creationId xmlns:a16="http://schemas.microsoft.com/office/drawing/2014/main" id="{F35B4596-0B13-D167-4ACE-B1285882D937}"/>
+                </a:ext>
+              </a:extLst>
+            </p:cNvPr>
+            <p:cNvSpPr txBox="1"/>
+            <p:nvPr/>
+          </p:nvSpPr>
+          <p:spPr>
+            <a:xfrm>
+              <a:off x="8260264" y="2427120"/>
+              <a:ext cx="308098" cy="369332"/>
+            </a:xfrm>
+            <a:prstGeom prst="rect">
+              <a:avLst/>
+            </a:prstGeom>
+            <a:noFill/>
+          </p:spPr>
+          <p:txBody>
+            <a:bodyPr wrap="none" rtlCol="0">
+              <a:spAutoFit/>
+            </a:bodyPr>
+            <a:lstStyle/>
+            <a:p>
+              <a:r>
+                <a:rPr lang="en-US" dirty="0"/>
+                <a:t>1</a:t>
+              </a:r>
+            </a:p>
+          </p:txBody>
+        </p:sp>
+      </p:grpSp>
+      <p:grpSp>
+        <p:nvGrpSpPr>
+          <p:cNvPr id="74" name="Group 73">
+            <a:extLst>
+              <a:ext uri="{FF2B5EF4-FFF2-40B4-BE49-F238E27FC236}">
+                <a16:creationId xmlns:a16="http://schemas.microsoft.com/office/drawing/2014/main" id="{ABB53D98-E681-FD51-E0C3-F9356542ABD1}"/>
+              </a:ext>
+            </a:extLst>
+          </p:cNvPr>
+          <p:cNvGrpSpPr/>
+          <p:nvPr/>
+        </p:nvGrpSpPr>
+        <p:grpSpPr>
+          <a:xfrm>
+            <a:off x="4417507" y="4148211"/>
+            <a:ext cx="395416" cy="395416"/>
+            <a:chOff x="8360971" y="1719641"/>
+            <a:chExt cx="395416" cy="395416"/>
+          </a:xfrm>
+        </p:grpSpPr>
+        <p:sp>
+          <p:nvSpPr>
+            <p:cNvPr id="63" name="Oval 62">
+              <a:extLst>
+                <a:ext uri="{FF2B5EF4-FFF2-40B4-BE49-F238E27FC236}">
+                  <a16:creationId xmlns:a16="http://schemas.microsoft.com/office/drawing/2014/main" id="{DC2D5586-B81D-75D4-E1E1-449D32A6C40D}"/>
+                </a:ext>
+              </a:extLst>
+            </p:cNvPr>
+            <p:cNvSpPr/>
+            <p:nvPr/>
+          </p:nvSpPr>
+          <p:spPr>
+            <a:xfrm>
+              <a:off x="8360971" y="1719641"/>
+              <a:ext cx="395416" cy="395416"/>
+            </a:xfrm>
+            <a:prstGeom prst="ellipse">
+              <a:avLst/>
+            </a:prstGeom>
+            <a:solidFill>
+              <a:srgbClr val="8ED973"/>
+            </a:solidFill>
+          </p:spPr>
+          <p:style>
+            <a:lnRef idx="2">
+              <a:schemeClr val="accent1">
+                <a:shade val="15000"/>
+              </a:schemeClr>
+            </a:lnRef>
+            <a:fillRef idx="1">
+              <a:schemeClr val="accent1"/>
+            </a:fillRef>
+            <a:effectRef idx="0">
+              <a:schemeClr val="accent1"/>
+            </a:effectRef>
+            <a:fontRef idx="minor">
+              <a:schemeClr val="lt1"/>
+            </a:fontRef>
+          </p:style>
+          <p:txBody>
+            <a:bodyPr rtlCol="0" anchor="ctr"/>
+            <a:lstStyle/>
+            <a:p>
+              <a:pPr algn="ctr"/>
+              <a:endParaRPr lang="en-US"/>
+            </a:p>
+          </p:txBody>
+        </p:sp>
+        <p:sp>
+          <p:nvSpPr>
+            <p:cNvPr id="64" name="TextBox 63">
+              <a:extLst>
+                <a:ext uri="{FF2B5EF4-FFF2-40B4-BE49-F238E27FC236}">
+                  <a16:creationId xmlns:a16="http://schemas.microsoft.com/office/drawing/2014/main" id="{E4E9584D-A0BF-6AA2-ACCA-75BB754FF58C}"/>
+                </a:ext>
+              </a:extLst>
+            </p:cNvPr>
+            <p:cNvSpPr txBox="1"/>
+            <p:nvPr/>
+          </p:nvSpPr>
+          <p:spPr>
+            <a:xfrm>
+              <a:off x="8412664" y="1734693"/>
+              <a:ext cx="308098" cy="369332"/>
+            </a:xfrm>
+            <a:prstGeom prst="rect">
+              <a:avLst/>
+            </a:prstGeom>
+            <a:noFill/>
+          </p:spPr>
+          <p:txBody>
+            <a:bodyPr wrap="none" rtlCol="0">
+              <a:spAutoFit/>
+            </a:bodyPr>
+            <a:lstStyle/>
+            <a:p>
+              <a:r>
+                <a:rPr lang="en-US" dirty="0"/>
+                <a:t>2</a:t>
+              </a:r>
+            </a:p>
+          </p:txBody>
+        </p:sp>
+      </p:grpSp>
+      <p:grpSp>
+        <p:nvGrpSpPr>
+          <p:cNvPr id="73" name="Group 72">
+            <a:extLst>
+              <a:ext uri="{FF2B5EF4-FFF2-40B4-BE49-F238E27FC236}">
+                <a16:creationId xmlns:a16="http://schemas.microsoft.com/office/drawing/2014/main" id="{DB5A394B-8104-B1F0-4B44-9D896062E7C3}"/>
+              </a:ext>
+            </a:extLst>
+          </p:cNvPr>
+          <p:cNvGrpSpPr/>
+          <p:nvPr/>
+        </p:nvGrpSpPr>
+        <p:grpSpPr>
+          <a:xfrm>
+            <a:off x="5359693" y="713143"/>
+            <a:ext cx="395416" cy="395416"/>
+            <a:chOff x="8917562" y="1153111"/>
+            <a:chExt cx="395416" cy="395416"/>
+          </a:xfrm>
+        </p:grpSpPr>
+        <p:sp>
+          <p:nvSpPr>
+            <p:cNvPr id="65" name="Oval 64">
+              <a:extLst>
+                <a:ext uri="{FF2B5EF4-FFF2-40B4-BE49-F238E27FC236}">
+                  <a16:creationId xmlns:a16="http://schemas.microsoft.com/office/drawing/2014/main" id="{4A351CC5-38F8-A12A-1A5B-F288842C6ECF}"/>
+                </a:ext>
+              </a:extLst>
+            </p:cNvPr>
+            <p:cNvSpPr/>
+            <p:nvPr/>
+          </p:nvSpPr>
+          <p:spPr>
+            <a:xfrm>
+              <a:off x="8917562" y="1153111"/>
+              <a:ext cx="395416" cy="395416"/>
+            </a:xfrm>
+            <a:prstGeom prst="ellipse">
+              <a:avLst/>
+            </a:prstGeom>
+            <a:solidFill>
+              <a:srgbClr val="8ED973"/>
+            </a:solidFill>
+          </p:spPr>
+          <p:style>
+            <a:lnRef idx="2">
+              <a:schemeClr val="accent1">
+                <a:shade val="15000"/>
+              </a:schemeClr>
+            </a:lnRef>
+            <a:fillRef idx="1">
+              <a:schemeClr val="accent1"/>
+            </a:fillRef>
+            <a:effectRef idx="0">
+              <a:schemeClr val="accent1"/>
+            </a:effectRef>
+            <a:fontRef idx="minor">
+              <a:schemeClr val="lt1"/>
+            </a:fontRef>
+          </p:style>
+          <p:txBody>
+            <a:bodyPr rtlCol="0" anchor="ctr"/>
+            <a:lstStyle/>
+            <a:p>
+              <a:pPr algn="ctr"/>
+              <a:endParaRPr lang="en-US"/>
+            </a:p>
+          </p:txBody>
+        </p:sp>
+        <p:sp>
+          <p:nvSpPr>
+            <p:cNvPr id="66" name="TextBox 65">
+              <a:extLst>
+                <a:ext uri="{FF2B5EF4-FFF2-40B4-BE49-F238E27FC236}">
+                  <a16:creationId xmlns:a16="http://schemas.microsoft.com/office/drawing/2014/main" id="{356B970A-53B1-733A-CA13-B569F85D758F}"/>
+                </a:ext>
+              </a:extLst>
+            </p:cNvPr>
+            <p:cNvSpPr txBox="1"/>
+            <p:nvPr/>
+          </p:nvSpPr>
+          <p:spPr>
+            <a:xfrm>
+              <a:off x="8969255" y="1168163"/>
+              <a:ext cx="308098" cy="369332"/>
+            </a:xfrm>
+            <a:prstGeom prst="rect">
+              <a:avLst/>
+            </a:prstGeom>
+            <a:noFill/>
+          </p:spPr>
+          <p:txBody>
+            <a:bodyPr wrap="none" rtlCol="0">
+              <a:spAutoFit/>
+            </a:bodyPr>
+            <a:lstStyle/>
+            <a:p>
+              <a:r>
+                <a:rPr lang="en-US" dirty="0"/>
+                <a:t>3</a:t>
+              </a:r>
+            </a:p>
+          </p:txBody>
+        </p:sp>
+      </p:grpSp>
+      <p:grpSp>
+        <p:nvGrpSpPr>
+          <p:cNvPr id="76" name="Group 75">
+            <a:extLst>
+              <a:ext uri="{FF2B5EF4-FFF2-40B4-BE49-F238E27FC236}">
+                <a16:creationId xmlns:a16="http://schemas.microsoft.com/office/drawing/2014/main" id="{B2CF3423-604A-A3EA-54E2-DEECE10764BD}"/>
+              </a:ext>
+            </a:extLst>
+          </p:cNvPr>
+          <p:cNvGrpSpPr/>
+          <p:nvPr/>
+        </p:nvGrpSpPr>
+        <p:grpSpPr>
+          <a:xfrm>
+            <a:off x="8175698" y="4381067"/>
+            <a:ext cx="395416" cy="395416"/>
+            <a:chOff x="9775641" y="1305511"/>
+            <a:chExt cx="395416" cy="395416"/>
+          </a:xfrm>
+        </p:grpSpPr>
+        <p:sp>
+          <p:nvSpPr>
+            <p:cNvPr id="67" name="Oval 66">
+              <a:extLst>
+                <a:ext uri="{FF2B5EF4-FFF2-40B4-BE49-F238E27FC236}">
+                  <a16:creationId xmlns:a16="http://schemas.microsoft.com/office/drawing/2014/main" id="{413146DF-7DA3-A056-6C24-06D8EDEA3822}"/>
+                </a:ext>
+              </a:extLst>
+            </p:cNvPr>
+            <p:cNvSpPr/>
+            <p:nvPr/>
+          </p:nvSpPr>
+          <p:spPr>
+            <a:xfrm>
+              <a:off x="9775641" y="1305511"/>
+              <a:ext cx="395416" cy="395416"/>
+            </a:xfrm>
+            <a:prstGeom prst="ellipse">
+              <a:avLst/>
+            </a:prstGeom>
+            <a:solidFill>
+              <a:srgbClr val="8ED973"/>
+            </a:solidFill>
+          </p:spPr>
+          <p:style>
+            <a:lnRef idx="2">
+              <a:schemeClr val="accent1">
+                <a:shade val="15000"/>
+              </a:schemeClr>
+            </a:lnRef>
+            <a:fillRef idx="1">
+              <a:schemeClr val="accent1"/>
+            </a:fillRef>
+            <a:effectRef idx="0">
+              <a:schemeClr val="accent1"/>
+            </a:effectRef>
+            <a:fontRef idx="minor">
+              <a:schemeClr val="lt1"/>
+            </a:fontRef>
+          </p:style>
+          <p:txBody>
+            <a:bodyPr rtlCol="0" anchor="ctr"/>
+            <a:lstStyle/>
+            <a:p>
+              <a:pPr algn="ctr"/>
+              <a:endParaRPr lang="en-US"/>
+            </a:p>
+          </p:txBody>
+        </p:sp>
+        <p:sp>
+          <p:nvSpPr>
+            <p:cNvPr id="68" name="TextBox 67">
+              <a:extLst>
+                <a:ext uri="{FF2B5EF4-FFF2-40B4-BE49-F238E27FC236}">
+                  <a16:creationId xmlns:a16="http://schemas.microsoft.com/office/drawing/2014/main" id="{582C2503-8DB2-2E77-865C-A0541BDB3D2D}"/>
+                </a:ext>
+              </a:extLst>
+            </p:cNvPr>
+            <p:cNvSpPr txBox="1"/>
+            <p:nvPr/>
+          </p:nvSpPr>
+          <p:spPr>
+            <a:xfrm>
+              <a:off x="9827334" y="1320563"/>
+              <a:ext cx="308098" cy="369332"/>
+            </a:xfrm>
+            <a:prstGeom prst="rect">
+              <a:avLst/>
+            </a:prstGeom>
+            <a:noFill/>
+          </p:spPr>
+          <p:txBody>
+            <a:bodyPr wrap="none" rtlCol="0">
+              <a:spAutoFit/>
+            </a:bodyPr>
+            <a:lstStyle/>
+            <a:p>
+              <a:r>
+                <a:rPr lang="en-US" dirty="0"/>
+                <a:t>4</a:t>
+              </a:r>
+            </a:p>
+          </p:txBody>
+        </p:sp>
+      </p:grpSp>
+      <p:cxnSp>
+        <p:nvCxnSpPr>
+          <p:cNvPr id="81" name="Straight Arrow Connector 80">
+            <a:extLst>
+              <a:ext uri="{FF2B5EF4-FFF2-40B4-BE49-F238E27FC236}">
+                <a16:creationId xmlns:a16="http://schemas.microsoft.com/office/drawing/2014/main" id="{DC830C74-3438-7673-E9EF-61D5EBF8B9DE}"/>
+              </a:ext>
+            </a:extLst>
+          </p:cNvPr>
+          <p:cNvCxnSpPr>
+            <a:cxnSpLocks/>
+          </p:cNvCxnSpPr>
+          <p:nvPr/>
+        </p:nvCxnSpPr>
+        <p:spPr>
+          <a:xfrm flipV="1">
+            <a:off x="2695593" y="3767806"/>
+            <a:ext cx="667367" cy="709543"/>
+          </a:xfrm>
+          <a:prstGeom prst="straightConnector1">
+            <a:avLst/>
+          </a:prstGeom>
+          <a:ln w="50800">
+            <a:solidFill>
+              <a:srgbClr val="FF0000"/>
+            </a:solidFill>
+            <a:tailEnd type="stealth"/>
+          </a:ln>
+        </p:spPr>
+        <p:style>
+          <a:lnRef idx="2">
+            <a:schemeClr val="accent1"/>
+          </a:lnRef>
+          <a:fillRef idx="0">
+            <a:schemeClr val="accent1"/>
+          </a:fillRef>
+          <a:effectRef idx="1">
+            <a:schemeClr val="accent1"/>
+          </a:effectRef>
+          <a:fontRef idx="minor">
+            <a:schemeClr val="tx1"/>
+          </a:fontRef>
+        </p:style>
+      </p:cxnSp>
+      <p:cxnSp>
+        <p:nvCxnSpPr>
+          <p:cNvPr id="83" name="Straight Arrow Connector 82">
+            <a:extLst>
+              <a:ext uri="{FF2B5EF4-FFF2-40B4-BE49-F238E27FC236}">
+                <a16:creationId xmlns:a16="http://schemas.microsoft.com/office/drawing/2014/main" id="{169CEF9F-1F8F-BBC8-835F-D1A1F6A85776}"/>
+              </a:ext>
+            </a:extLst>
+          </p:cNvPr>
+          <p:cNvCxnSpPr>
+            <a:cxnSpLocks/>
+          </p:cNvCxnSpPr>
+          <p:nvPr/>
+        </p:nvCxnSpPr>
+        <p:spPr>
+          <a:xfrm flipV="1">
+            <a:off x="3585301" y="3022658"/>
+            <a:ext cx="780513" cy="646003"/>
+          </a:xfrm>
+          <a:prstGeom prst="straightConnector1">
+            <a:avLst/>
+          </a:prstGeom>
+          <a:ln w="50800">
+            <a:solidFill>
+              <a:srgbClr val="FF0000"/>
+            </a:solidFill>
+            <a:tailEnd type="stealth"/>
+          </a:ln>
+        </p:spPr>
+        <p:style>
+          <a:lnRef idx="2">
+            <a:schemeClr val="accent1"/>
+          </a:lnRef>
+          <a:fillRef idx="0">
+            <a:schemeClr val="accent1"/>
+          </a:fillRef>
+          <a:effectRef idx="1">
+            <a:schemeClr val="accent1"/>
+          </a:effectRef>
+          <a:fontRef idx="minor">
+            <a:schemeClr val="tx1"/>
+          </a:fontRef>
+        </p:style>
+      </p:cxnSp>
+      <p:cxnSp>
+        <p:nvCxnSpPr>
+          <p:cNvPr id="85" name="Straight Arrow Connector 84">
+            <a:extLst>
+              <a:ext uri="{FF2B5EF4-FFF2-40B4-BE49-F238E27FC236}">
+                <a16:creationId xmlns:a16="http://schemas.microsoft.com/office/drawing/2014/main" id="{6DD864DC-879B-692A-C984-210170CC963B}"/>
+              </a:ext>
+            </a:extLst>
+          </p:cNvPr>
+          <p:cNvCxnSpPr>
+            <a:cxnSpLocks/>
+          </p:cNvCxnSpPr>
+          <p:nvPr/>
+        </p:nvCxnSpPr>
+        <p:spPr>
+          <a:xfrm flipV="1">
+            <a:off x="4722805" y="2350432"/>
+            <a:ext cx="689990" cy="429198"/>
+          </a:xfrm>
+          <a:prstGeom prst="straightConnector1">
+            <a:avLst/>
+          </a:prstGeom>
+          <a:ln w="50800">
+            <a:solidFill>
+              <a:srgbClr val="FF0000"/>
+            </a:solidFill>
+            <a:tailEnd type="stealth"/>
+          </a:ln>
+        </p:spPr>
+        <p:style>
+          <a:lnRef idx="2">
+            <a:schemeClr val="accent1"/>
+          </a:lnRef>
+          <a:fillRef idx="0">
+            <a:schemeClr val="accent1"/>
+          </a:fillRef>
+          <a:effectRef idx="1">
+            <a:schemeClr val="accent1"/>
+          </a:effectRef>
+          <a:fontRef idx="minor">
+            <a:schemeClr val="tx1"/>
+          </a:fontRef>
+        </p:style>
+      </p:cxnSp>
+      <p:cxnSp>
+        <p:nvCxnSpPr>
+          <p:cNvPr id="88" name="Straight Arrow Connector 87">
+            <a:extLst>
+              <a:ext uri="{FF2B5EF4-FFF2-40B4-BE49-F238E27FC236}">
+                <a16:creationId xmlns:a16="http://schemas.microsoft.com/office/drawing/2014/main" id="{6715C5B6-9654-1339-AC95-9624D6C74332}"/>
+              </a:ext>
+            </a:extLst>
+          </p:cNvPr>
+          <p:cNvCxnSpPr>
+            <a:cxnSpLocks/>
+            <a:endCxn id="38" idx="2"/>
+          </p:cNvCxnSpPr>
+          <p:nvPr/>
+        </p:nvCxnSpPr>
+        <p:spPr>
+          <a:xfrm flipV="1">
+            <a:off x="5639153" y="1552667"/>
+            <a:ext cx="5082" cy="711215"/>
+          </a:xfrm>
+          <a:prstGeom prst="straightConnector1">
+            <a:avLst/>
+          </a:prstGeom>
+          <a:ln w="50800">
+            <a:solidFill>
+              <a:srgbClr val="FF0000"/>
+            </a:solidFill>
+            <a:tailEnd type="stealth"/>
+          </a:ln>
+        </p:spPr>
+        <p:style>
+          <a:lnRef idx="2">
+            <a:schemeClr val="accent1"/>
+          </a:lnRef>
+          <a:fillRef idx="0">
+            <a:schemeClr val="accent1"/>
+          </a:fillRef>
+          <a:effectRef idx="1">
+            <a:schemeClr val="accent1"/>
+          </a:effectRef>
+          <a:fontRef idx="minor">
+            <a:schemeClr val="tx1"/>
+          </a:fontRef>
+        </p:style>
+      </p:cxnSp>
+      <p:cxnSp>
+        <p:nvCxnSpPr>
+          <p:cNvPr id="90" name="Straight Arrow Connector 89">
+            <a:extLst>
+              <a:ext uri="{FF2B5EF4-FFF2-40B4-BE49-F238E27FC236}">
+                <a16:creationId xmlns:a16="http://schemas.microsoft.com/office/drawing/2014/main" id="{F98A5DA8-368D-9E88-A1C5-9AB809AD5D7A}"/>
+              </a:ext>
+            </a:extLst>
+          </p:cNvPr>
+          <p:cNvCxnSpPr>
+            <a:cxnSpLocks/>
+          </p:cNvCxnSpPr>
+          <p:nvPr/>
+        </p:nvCxnSpPr>
+        <p:spPr>
+          <a:xfrm>
+            <a:off x="5809732" y="1573820"/>
+            <a:ext cx="5082" cy="711215"/>
+          </a:xfrm>
+          <a:prstGeom prst="straightConnector1">
+            <a:avLst/>
+          </a:prstGeom>
+          <a:ln w="50800">
+            <a:solidFill>
+              <a:srgbClr val="0070C0"/>
+            </a:solidFill>
+            <a:tailEnd type="stealth"/>
+          </a:ln>
+        </p:spPr>
+        <p:style>
+          <a:lnRef idx="2">
+            <a:schemeClr val="accent1"/>
+          </a:lnRef>
+          <a:fillRef idx="0">
+            <a:schemeClr val="accent1"/>
+          </a:fillRef>
+          <a:effectRef idx="1">
+            <a:schemeClr val="accent1"/>
+          </a:effectRef>
+          <a:fontRef idx="minor">
+            <a:schemeClr val="tx1"/>
+          </a:fontRef>
+        </p:style>
+      </p:cxnSp>
+      <p:cxnSp>
+        <p:nvCxnSpPr>
+          <p:cNvPr id="91" name="Straight Arrow Connector 90">
+            <a:extLst>
+              <a:ext uri="{FF2B5EF4-FFF2-40B4-BE49-F238E27FC236}">
+                <a16:creationId xmlns:a16="http://schemas.microsoft.com/office/drawing/2014/main" id="{B2EB5450-DAEC-9808-EE98-45550B5CCE58}"/>
+              </a:ext>
+            </a:extLst>
+          </p:cNvPr>
+          <p:cNvCxnSpPr>
+            <a:cxnSpLocks/>
+          </p:cNvCxnSpPr>
+          <p:nvPr/>
+        </p:nvCxnSpPr>
+        <p:spPr>
+          <a:xfrm flipH="1">
+            <a:off x="4815571" y="2502832"/>
+            <a:ext cx="689990" cy="429198"/>
+          </a:xfrm>
+          <a:prstGeom prst="straightConnector1">
+            <a:avLst/>
+          </a:prstGeom>
+          <a:ln w="50800">
+            <a:solidFill>
+              <a:srgbClr val="0070C0"/>
+            </a:solidFill>
+            <a:tailEnd type="stealth"/>
+          </a:ln>
+        </p:spPr>
+        <p:style>
+          <a:lnRef idx="2">
+            <a:schemeClr val="accent1"/>
+          </a:lnRef>
+          <a:fillRef idx="0">
+            <a:schemeClr val="accent1"/>
+          </a:fillRef>
+          <a:effectRef idx="1">
+            <a:schemeClr val="accent1"/>
+          </a:effectRef>
+          <a:fontRef idx="minor">
+            <a:schemeClr val="tx1"/>
+          </a:fontRef>
+        </p:style>
+      </p:cxnSp>
+      <p:cxnSp>
+        <p:nvCxnSpPr>
+          <p:cNvPr id="92" name="Straight Arrow Connector 91">
+            <a:extLst>
+              <a:ext uri="{FF2B5EF4-FFF2-40B4-BE49-F238E27FC236}">
+                <a16:creationId xmlns:a16="http://schemas.microsoft.com/office/drawing/2014/main" id="{816C047C-BD5F-42D1-23D9-7F7D8C94E8F8}"/>
+              </a:ext>
+            </a:extLst>
+          </p:cNvPr>
+          <p:cNvCxnSpPr>
+            <a:cxnSpLocks/>
+          </p:cNvCxnSpPr>
+          <p:nvPr/>
+        </p:nvCxnSpPr>
+        <p:spPr>
+          <a:xfrm flipH="1">
+            <a:off x="3726615" y="3116126"/>
+            <a:ext cx="780513" cy="646003"/>
+          </a:xfrm>
+          <a:prstGeom prst="straightConnector1">
+            <a:avLst/>
+          </a:prstGeom>
+          <a:ln w="50800">
+            <a:solidFill>
+              <a:srgbClr val="0070C0"/>
+            </a:solidFill>
+            <a:tailEnd type="stealth"/>
+          </a:ln>
+        </p:spPr>
+        <p:style>
+          <a:lnRef idx="2">
+            <a:schemeClr val="accent1"/>
+          </a:lnRef>
+          <a:fillRef idx="0">
+            <a:schemeClr val="accent1"/>
+          </a:fillRef>
+          <a:effectRef idx="1">
+            <a:schemeClr val="accent1"/>
+          </a:effectRef>
+          <a:fontRef idx="minor">
+            <a:schemeClr val="tx1"/>
+          </a:fontRef>
+        </p:style>
+      </p:cxnSp>
+      <p:cxnSp>
+        <p:nvCxnSpPr>
+          <p:cNvPr id="93" name="Straight Arrow Connector 92">
+            <a:extLst>
+              <a:ext uri="{FF2B5EF4-FFF2-40B4-BE49-F238E27FC236}">
+                <a16:creationId xmlns:a16="http://schemas.microsoft.com/office/drawing/2014/main" id="{1C05F8B7-70E1-79FB-ED7B-84756A75D283}"/>
+              </a:ext>
+            </a:extLst>
+          </p:cNvPr>
+          <p:cNvCxnSpPr>
+            <a:cxnSpLocks/>
+          </p:cNvCxnSpPr>
+          <p:nvPr/>
+        </p:nvCxnSpPr>
+        <p:spPr>
+          <a:xfrm flipH="1">
+            <a:off x="2836710" y="3839675"/>
+            <a:ext cx="667367" cy="709543"/>
+          </a:xfrm>
+          <a:prstGeom prst="straightConnector1">
+            <a:avLst/>
+          </a:prstGeom>
+          <a:ln w="50800">
+            <a:solidFill>
+              <a:srgbClr val="0070C0"/>
+            </a:solidFill>
+            <a:tailEnd type="stealth"/>
+          </a:ln>
+        </p:spPr>
+        <p:style>
+          <a:lnRef idx="2">
+            <a:schemeClr val="accent1"/>
+          </a:lnRef>
+          <a:fillRef idx="0">
+            <a:schemeClr val="accent1"/>
+          </a:fillRef>
+          <a:effectRef idx="1">
+            <a:schemeClr val="accent1"/>
+          </a:effectRef>
+          <a:fontRef idx="minor">
+            <a:schemeClr val="tx1"/>
+          </a:fontRef>
+        </p:style>
+      </p:cxnSp>
+    </p:spTree>
+    <p:extLst>
+      <p:ext uri="{BB962C8B-B14F-4D97-AF65-F5344CB8AC3E}">
+        <p14:creationId xmlns:p14="http://schemas.microsoft.com/office/powerpoint/2010/main" val="3391270707"/>
       </p:ext>
     </p:extLst>
   </p:cSld>
